--- a/白盒黑盒/黑盒测试技术/黑盒.pptx
+++ b/白盒黑盒/黑盒测试技术/黑盒.pptx
@@ -1,12 +1,12 @@
 
 <file path=ppt/presentation.xml><?xml version="1.0" encoding="utf-8"?>
-<p:presentation xmlns:a="http://schemas.openxmlformats.org/drawingml/2006/main" xmlns:r="http://schemas.openxmlformats.org/officeDocument/2006/relationships" xmlns:p="http://schemas.openxmlformats.org/presentationml/2006/main" saveSubsetFonts="1">
+<p:presentation xmlns:a="http://schemas.openxmlformats.org/drawingml/2006/main" xmlns:r="http://schemas.openxmlformats.org/officeDocument/2006/relationships" xmlns:p="http://schemas.openxmlformats.org/presentationml/2006/main" saveSubsetFonts="1" bookmarkIdSeed="3">
   <p:sldMasterIdLst>
     <p:sldMasterId id="2147483648" r:id="rId1"/>
     <p:sldMasterId id="2147483660" r:id="rId2"/>
   </p:sldMasterIdLst>
   <p:notesMasterIdLst>
-    <p:notesMasterId r:id="rId20"/>
+    <p:notesMasterId r:id="rId28"/>
   </p:notesMasterIdLst>
   <p:sldIdLst>
     <p:sldId id="778" r:id="rId3"/>
@@ -23,9 +23,17 @@
     <p:sldId id="772" r:id="rId14"/>
     <p:sldId id="773" r:id="rId15"/>
     <p:sldId id="774" r:id="rId16"/>
-    <p:sldId id="775" r:id="rId17"/>
-    <p:sldId id="776" r:id="rId18"/>
-    <p:sldId id="777" r:id="rId19"/>
+    <p:sldId id="780" r:id="rId17"/>
+    <p:sldId id="775" r:id="rId18"/>
+    <p:sldId id="776" r:id="rId19"/>
+    <p:sldId id="777" r:id="rId20"/>
+    <p:sldId id="781" r:id="rId21"/>
+    <p:sldId id="782" r:id="rId22"/>
+    <p:sldId id="783" r:id="rId23"/>
+    <p:sldId id="784" r:id="rId24"/>
+    <p:sldId id="785" r:id="rId25"/>
+    <p:sldId id="786" r:id="rId26"/>
+    <p:sldId id="787" r:id="rId27"/>
   </p:sldIdLst>
   <p:sldSz cx="12192000" cy="6858000"/>
   <p:notesSz cx="6858000" cy="9144000"/>
@@ -124,6 +132,11 @@
       </a:defRPr>
     </a:lvl9pPr>
   </p:defaultTextStyle>
+  <p:extLst>
+    <p:ext uri="{EFAFB233-063F-42B5-8137-9DF3F51BA10A}">
+      <p15:sldGuideLst xmlns:p15="http://schemas.microsoft.com/office/powerpoint/2012/main"/>
+    </p:ext>
+  </p:extLst>
 </p:presentation>
 </file>
 
@@ -209,7 +222,7 @@
           <a:p>
             <a:fld id="{30F8F540-0703-4F05-8641-B3739598107C}" type="datetimeFigureOut">
               <a:rPr lang="zh-CN" altLang="en-US" smtClean="0"/>
-              <a:t>2019/5/15</a:t>
+              <a:t>2019/5/16</a:t>
             </a:fld>
             <a:endParaRPr lang="zh-CN" altLang="en-US"/>
           </a:p>
@@ -2129,7 +2142,7 @@
                 <a:tabLst/>
                 <a:defRPr/>
               </a:pPr>
-              <a:t>15</a:t>
+              <a:t>16</a:t>
             </a:fld>
             <a:endParaRPr kumimoji="0" lang="zh-CN" altLang="en-US" sz="1200" b="0" i="0" u="none" strike="noStrike" kern="1200" cap="none" spc="0" normalizeH="0" baseline="0" noProof="0">
               <a:ln>
@@ -2526,7 +2539,7 @@
                 <a:tabLst/>
                 <a:defRPr/>
               </a:pPr>
-              <a:t>16</a:t>
+              <a:t>17</a:t>
             </a:fld>
             <a:endParaRPr kumimoji="0" lang="zh-CN" altLang="en-US" sz="1200" b="0" i="0" u="none" strike="noStrike" kern="1200" cap="none" spc="0" normalizeH="0" baseline="0" noProof="0">
               <a:ln>
@@ -2863,7 +2876,7 @@
                 <a:tabLst/>
                 <a:defRPr/>
               </a:pPr>
-              <a:t>17</a:t>
+              <a:t>18</a:t>
             </a:fld>
             <a:endParaRPr kumimoji="0" lang="zh-CN" altLang="en-US" sz="1200" b="0" i="0" u="none" strike="noStrike" kern="1200" cap="none" spc="0" normalizeH="0" baseline="0" noProof="0">
               <a:ln>
@@ -5750,7 +5763,7 @@
           <a:p>
             <a:fld id="{A4997DC7-0ADB-4D78-B75E-255090C38743}" type="datetimeFigureOut">
               <a:rPr lang="zh-CN" altLang="en-US" smtClean="0"/>
-              <a:t>2019/5/15</a:t>
+              <a:t>2019/5/16</a:t>
             </a:fld>
             <a:endParaRPr lang="zh-CN" altLang="en-US"/>
           </a:p>
@@ -5948,7 +5961,7 @@
           <a:p>
             <a:fld id="{A4997DC7-0ADB-4D78-B75E-255090C38743}" type="datetimeFigureOut">
               <a:rPr lang="zh-CN" altLang="en-US" smtClean="0"/>
-              <a:t>2019/5/15</a:t>
+              <a:t>2019/5/16</a:t>
             </a:fld>
             <a:endParaRPr lang="zh-CN" altLang="en-US"/>
           </a:p>
@@ -6156,7 +6169,7 @@
           <a:p>
             <a:fld id="{A4997DC7-0ADB-4D78-B75E-255090C38743}" type="datetimeFigureOut">
               <a:rPr lang="zh-CN" altLang="en-US" smtClean="0"/>
-              <a:t>2019/5/15</a:t>
+              <a:t>2019/5/16</a:t>
             </a:fld>
             <a:endParaRPr lang="zh-CN" altLang="en-US"/>
           </a:p>
@@ -6484,7 +6497,7 @@
               <a:pPr>
                 <a:defRPr/>
               </a:pPr>
-              <a:t>15/05/2019</a:t>
+              <a:t>16/05/2019</a:t>
             </a:fld>
             <a:endParaRPr lang="es-ES" altLang="zh-CN"/>
           </a:p>
@@ -6984,7 +6997,7 @@
               <a:pPr>
                 <a:defRPr/>
               </a:pPr>
-              <a:t>15/05/2019</a:t>
+              <a:t>16/05/2019</a:t>
             </a:fld>
             <a:endParaRPr lang="es-ES" altLang="zh-CN" dirty="0"/>
           </a:p>
@@ -7372,7 +7385,7 @@
               <a:pPr>
                 <a:defRPr/>
               </a:pPr>
-              <a:t>15/05/2019</a:t>
+              <a:t>16/05/2019</a:t>
             </a:fld>
             <a:endParaRPr lang="es-ES" altLang="zh-CN"/>
           </a:p>
@@ -7548,7 +7561,7 @@
           <a:p>
             <a:fld id="{A4997DC7-0ADB-4D78-B75E-255090C38743}" type="datetimeFigureOut">
               <a:rPr lang="zh-CN" altLang="en-US" smtClean="0"/>
-              <a:t>2019/5/15</a:t>
+              <a:t>2019/5/16</a:t>
             </a:fld>
             <a:endParaRPr lang="zh-CN" altLang="en-US"/>
           </a:p>
@@ -7823,7 +7836,7 @@
           <a:p>
             <a:fld id="{A4997DC7-0ADB-4D78-B75E-255090C38743}" type="datetimeFigureOut">
               <a:rPr lang="zh-CN" altLang="en-US" smtClean="0"/>
-              <a:t>2019/5/15</a:t>
+              <a:t>2019/5/16</a:t>
             </a:fld>
             <a:endParaRPr lang="zh-CN" altLang="en-US"/>
           </a:p>
@@ -8088,7 +8101,7 @@
           <a:p>
             <a:fld id="{A4997DC7-0ADB-4D78-B75E-255090C38743}" type="datetimeFigureOut">
               <a:rPr lang="zh-CN" altLang="en-US" smtClean="0"/>
-              <a:t>2019/5/15</a:t>
+              <a:t>2019/5/16</a:t>
             </a:fld>
             <a:endParaRPr lang="zh-CN" altLang="en-US"/>
           </a:p>
@@ -8500,7 +8513,7 @@
           <a:p>
             <a:fld id="{A4997DC7-0ADB-4D78-B75E-255090C38743}" type="datetimeFigureOut">
               <a:rPr lang="zh-CN" altLang="en-US" smtClean="0"/>
-              <a:t>2019/5/15</a:t>
+              <a:t>2019/5/16</a:t>
             </a:fld>
             <a:endParaRPr lang="zh-CN" altLang="en-US"/>
           </a:p>
@@ -8641,7 +8654,7 @@
           <a:p>
             <a:fld id="{A4997DC7-0ADB-4D78-B75E-255090C38743}" type="datetimeFigureOut">
               <a:rPr lang="zh-CN" altLang="en-US" smtClean="0"/>
-              <a:t>2019/5/15</a:t>
+              <a:t>2019/5/16</a:t>
             </a:fld>
             <a:endParaRPr lang="zh-CN" altLang="en-US"/>
           </a:p>
@@ -8754,7 +8767,7 @@
           <a:p>
             <a:fld id="{A4997DC7-0ADB-4D78-B75E-255090C38743}" type="datetimeFigureOut">
               <a:rPr lang="zh-CN" altLang="en-US" smtClean="0"/>
-              <a:t>2019/5/15</a:t>
+              <a:t>2019/5/16</a:t>
             </a:fld>
             <a:endParaRPr lang="zh-CN" altLang="en-US"/>
           </a:p>
@@ -9065,7 +9078,7 @@
           <a:p>
             <a:fld id="{A4997DC7-0ADB-4D78-B75E-255090C38743}" type="datetimeFigureOut">
               <a:rPr lang="zh-CN" altLang="en-US" smtClean="0"/>
-              <a:t>2019/5/15</a:t>
+              <a:t>2019/5/16</a:t>
             </a:fld>
             <a:endParaRPr lang="zh-CN" altLang="en-US"/>
           </a:p>
@@ -9353,7 +9366,7 @@
           <a:p>
             <a:fld id="{A4997DC7-0ADB-4D78-B75E-255090C38743}" type="datetimeFigureOut">
               <a:rPr lang="zh-CN" altLang="en-US" smtClean="0"/>
-              <a:t>2019/5/15</a:t>
+              <a:t>2019/5/16</a:t>
             </a:fld>
             <a:endParaRPr lang="zh-CN" altLang="en-US"/>
           </a:p>
@@ -9594,7 +9607,7 @@
           <a:p>
             <a:fld id="{A4997DC7-0ADB-4D78-B75E-255090C38743}" type="datetimeFigureOut">
               <a:rPr lang="zh-CN" altLang="en-US" smtClean="0"/>
-              <a:t>2019/5/15</a:t>
+              <a:t>2019/5/16</a:t>
             </a:fld>
             <a:endParaRPr lang="zh-CN" altLang="en-US"/>
           </a:p>
@@ -10230,7 +10243,7 @@
               <a:pPr>
                 <a:defRPr/>
               </a:pPr>
-              <a:t>15/05/2019</a:t>
+              <a:t>16/05/2019</a:t>
             </a:fld>
             <a:endParaRPr lang="es-ES" altLang="zh-CN" dirty="0"/>
           </a:p>
@@ -10878,56 +10891,6 @@
       </p:grpSpPr>
       <p:sp>
         <p:nvSpPr>
-          <p:cNvPr id="2" name="标题 1">
-            <a:extLst>
-              <a:ext uri="{FF2B5EF4-FFF2-40B4-BE49-F238E27FC236}">
-                <a16:creationId xmlns:a16="http://schemas.microsoft.com/office/drawing/2014/main" id="{17E21110-68FF-4C0C-A4D2-7FB942FAB7E3}"/>
-              </a:ext>
-            </a:extLst>
-          </p:cNvPr>
-          <p:cNvSpPr>
-            <a:spLocks noGrp="1"/>
-          </p:cNvSpPr>
-          <p:nvPr>
-            <p:ph type="ctrTitle"/>
-          </p:nvPr>
-        </p:nvSpPr>
-        <p:spPr/>
-        <p:txBody>
-          <a:bodyPr/>
-          <a:lstStyle/>
-          <a:p>
-            <a:endParaRPr lang="zh-CN" altLang="en-US"/>
-          </a:p>
-        </p:txBody>
-      </p:sp>
-      <p:sp>
-        <p:nvSpPr>
-          <p:cNvPr id="3" name="副标题 2">
-            <a:extLst>
-              <a:ext uri="{FF2B5EF4-FFF2-40B4-BE49-F238E27FC236}">
-                <a16:creationId xmlns:a16="http://schemas.microsoft.com/office/drawing/2014/main" id="{95CBA234-0C1C-4BAD-B71E-A0BFB2CBAFB9}"/>
-              </a:ext>
-            </a:extLst>
-          </p:cNvPr>
-          <p:cNvSpPr>
-            <a:spLocks noGrp="1"/>
-          </p:cNvSpPr>
-          <p:nvPr>
-            <p:ph type="subTitle" idx="1"/>
-          </p:nvPr>
-        </p:nvSpPr>
-        <p:spPr/>
-        <p:txBody>
-          <a:bodyPr/>
-          <a:lstStyle/>
-          <a:p>
-            <a:endParaRPr lang="zh-CN" altLang="en-US" dirty="0"/>
-          </a:p>
-        </p:txBody>
-      </p:sp>
-      <p:sp>
-        <p:nvSpPr>
           <p:cNvPr id="4" name="矩形 3">
             <a:extLst>
               <a:ext uri="{FF2B5EF4-FFF2-40B4-BE49-F238E27FC236}">
@@ -10940,21 +10903,22 @@
         </p:nvSpPr>
         <p:spPr>
           <a:xfrm>
-            <a:off x="3048000" y="1720840"/>
-            <a:ext cx="6096000" cy="3416320"/>
+            <a:off x="650449" y="1098671"/>
+            <a:ext cx="10369486" cy="4154984"/>
           </a:xfrm>
           <a:prstGeom prst="rect">
             <a:avLst/>
           </a:prstGeom>
         </p:spPr>
         <p:txBody>
-          <a:bodyPr>
+          <a:bodyPr wrap="square">
             <a:spAutoFit/>
           </a:bodyPr>
           <a:lstStyle/>
           <a:p>
-            <a:r>
-              <a:rPr lang="zh-CN" altLang="zh-CN" dirty="0">
+            <a:pPr indent="457200"/>
+            <a:r>
+              <a:rPr lang="zh-CN" altLang="zh-CN" sz="2400" dirty="0">
                 <a:latin typeface="Calibri" panose="020F0502020204030204" pitchFamily="34" charset="0"/>
                 <a:ea typeface="宋体" panose="02010600030101010101" pitchFamily="2" charset="-122"/>
                 <a:cs typeface="Times New Roman" panose="02020603050405020304" pitchFamily="18" charset="0"/>
@@ -10962,7 +10926,7 @@
               <a:t>黑盒测试</a:t>
             </a:r>
             <a:r>
-              <a:rPr lang="en-US" altLang="zh-CN" dirty="0">
+              <a:rPr lang="en-US" altLang="zh-CN" sz="2400" dirty="0">
                 <a:latin typeface="Calibri" panose="020F0502020204030204" pitchFamily="34" charset="0"/>
                 <a:ea typeface="宋体" panose="02010600030101010101" pitchFamily="2" charset="-122"/>
                 <a:cs typeface="Times New Roman" panose="02020603050405020304" pitchFamily="18" charset="0"/>
@@ -10970,7 +10934,7 @@
               <a:t>(black</a:t>
             </a:r>
             <a:r>
-              <a:rPr lang="zh-CN" altLang="zh-CN" dirty="0">
+              <a:rPr lang="zh-CN" altLang="zh-CN" sz="2400" dirty="0">
                 <a:latin typeface="Calibri" panose="020F0502020204030204" pitchFamily="34" charset="0"/>
                 <a:ea typeface="宋体" panose="02010600030101010101" pitchFamily="2" charset="-122"/>
                 <a:cs typeface="Times New Roman" panose="02020603050405020304" pitchFamily="18" charset="0"/>
@@ -10978,7 +10942,7 @@
               <a:t>—</a:t>
             </a:r>
             <a:r>
-              <a:rPr lang="en-US" altLang="zh-CN" dirty="0">
+              <a:rPr lang="en-US" altLang="zh-CN" sz="2400" dirty="0">
                 <a:latin typeface="Calibri" panose="020F0502020204030204" pitchFamily="34" charset="0"/>
                 <a:ea typeface="宋体" panose="02010600030101010101" pitchFamily="2" charset="-122"/>
                 <a:cs typeface="Times New Roman" panose="02020603050405020304" pitchFamily="18" charset="0"/>
@@ -10986,7 +10950,7 @@
               <a:t>box testing)</a:t>
             </a:r>
             <a:r>
-              <a:rPr lang="zh-CN" altLang="zh-CN" dirty="0">
+              <a:rPr lang="zh-CN" altLang="zh-CN" sz="2400" dirty="0">
                 <a:latin typeface="Calibri" panose="020F0502020204030204" pitchFamily="34" charset="0"/>
                 <a:ea typeface="宋体" panose="02010600030101010101" pitchFamily="2" charset="-122"/>
                 <a:cs typeface="Times New Roman" panose="02020603050405020304" pitchFamily="18" charset="0"/>
@@ -10994,7 +10958,7 @@
               <a:t>又称功能测试、数据</a:t>
             </a:r>
             <a:r>
-              <a:rPr lang="en-US" altLang="zh-CN" u="sng" dirty="0" err="1">
+              <a:rPr lang="en-US" altLang="zh-CN" sz="2400" u="sng" dirty="0" err="1">
                 <a:solidFill>
                   <a:srgbClr val="000000"/>
                 </a:solidFill>
@@ -11006,33 +10970,73 @@
               <a:t>驱动</a:t>
             </a:r>
             <a:r>
-              <a:rPr lang="zh-CN" altLang="zh-CN" dirty="0">
+              <a:rPr lang="zh-CN" altLang="zh-CN" sz="2400" dirty="0">
                 <a:latin typeface="Calibri" panose="020F0502020204030204" pitchFamily="34" charset="0"/>
                 <a:ea typeface="宋体" panose="02010600030101010101" pitchFamily="2" charset="-122"/>
                 <a:cs typeface="Times New Roman" panose="02020603050405020304" pitchFamily="18" charset="0"/>
               </a:rPr>
-              <a:t>测试或基于规范的测试。用这种方法进行测试时，被测程序被当作看不见内部的黑盒。在完全不考虑程序内部结构和内部特性的情况下，测试者仅依据程序功能的需求规范考虑确定测试用例和推断测试结果的正确性。因此黑盒测试是从用户观点出发的测试，黑盒测试直观的想法就是既然程序被规定做某些事，那我们就看看它是不是在任何情况下都做的对。完整的“任何情况”是无法验证的，为此黑盒测试也有一套产生测试用例的方法，以产生有限的测试用例而覆盖足够多的“任何情况”。由于黑盒测试不需要了解程序内部结构，所以许多高层的测试如</a:t>
-            </a:r>
-            <a:r>
-              <a:rPr lang="zh-CN" altLang="zh-CN" dirty="0">
-                <a:solidFill>
-                  <a:srgbClr val="FF0000"/>
-                </a:solidFill>
+              <a:t>测试或基于规范的测试。</a:t>
+            </a:r>
+            <a:endParaRPr lang="en-US" altLang="zh-CN" sz="2400" dirty="0">
+              <a:latin typeface="Calibri" panose="020F0502020204030204" pitchFamily="34" charset="0"/>
+              <a:ea typeface="宋体" panose="02010600030101010101" pitchFamily="2" charset="-122"/>
+              <a:cs typeface="Times New Roman" panose="02020603050405020304" pitchFamily="18" charset="0"/>
+            </a:endParaRPr>
+          </a:p>
+          <a:p>
+            <a:pPr indent="457200"/>
+            <a:r>
+              <a:rPr lang="zh-CN" altLang="zh-CN" sz="2400" dirty="0">
                 <a:latin typeface="Calibri" panose="020F0502020204030204" pitchFamily="34" charset="0"/>
                 <a:ea typeface="宋体" panose="02010600030101010101" pitchFamily="2" charset="-122"/>
                 <a:cs typeface="Times New Roman" panose="02020603050405020304" pitchFamily="18" charset="0"/>
               </a:rPr>
-              <a:t>确认测试、系统测试、验收测试</a:t>
-            </a:r>
-            <a:r>
-              <a:rPr lang="zh-CN" altLang="zh-CN" dirty="0">
+              <a:t>用这种方法进行测试时，被测程序被当作看不见内部的黑盒。在完全不考虑程序内部结构和内部特性的情况下，测试者仅依据程序功能的需求规范考虑确定测试用例和推断测试结果的正确性。因此黑盒测试是从用户观点出发的测试，黑盒测试直观的想法就是既然程序被规定做某些事，那我们就看看它是不是在任何情况下都做的对。完整的“任何情况”是无法验证的，为此黑盒测试也有一套产生测试用例的方法，以产生有限的测试用例而覆盖足够多的“任何情况”</a:t>
+            </a:r>
+            <a:r>
+              <a:rPr lang="zh-CN" altLang="en-US" sz="2400" dirty="0">
                 <a:latin typeface="Calibri" panose="020F0502020204030204" pitchFamily="34" charset="0"/>
                 <a:ea typeface="宋体" panose="02010600030101010101" pitchFamily="2" charset="-122"/>
                 <a:cs typeface="Times New Roman" panose="02020603050405020304" pitchFamily="18" charset="0"/>
               </a:rPr>
+              <a:t>。</a:t>
+            </a:r>
+            <a:endParaRPr lang="en-US" altLang="zh-CN" sz="2400" dirty="0">
+              <a:latin typeface="Calibri" panose="020F0502020204030204" pitchFamily="34" charset="0"/>
+              <a:ea typeface="宋体" panose="02010600030101010101" pitchFamily="2" charset="-122"/>
+              <a:cs typeface="Times New Roman" panose="02020603050405020304" pitchFamily="18" charset="0"/>
+            </a:endParaRPr>
+          </a:p>
+          <a:p>
+            <a:pPr indent="457200"/>
+            <a:r>
+              <a:rPr lang="zh-CN" altLang="zh-CN" sz="2400" dirty="0">
+                <a:latin typeface="Calibri" panose="020F0502020204030204" pitchFamily="34" charset="0"/>
+                <a:ea typeface="宋体" panose="02010600030101010101" pitchFamily="2" charset="-122"/>
+                <a:cs typeface="Times New Roman" panose="02020603050405020304" pitchFamily="18" charset="0"/>
+              </a:rPr>
+              <a:t>由于黑盒测试不需要了解程序内部结构，所以许多高层的测试如</a:t>
+            </a:r>
+            <a:r>
+              <a:rPr lang="zh-CN" altLang="zh-CN" sz="2400" dirty="0">
+                <a:solidFill>
+                  <a:srgbClr val="FF0000"/>
+                </a:solidFill>
+                <a:latin typeface="Calibri" panose="020F0502020204030204" pitchFamily="34" charset="0"/>
+                <a:ea typeface="宋体" panose="02010600030101010101" pitchFamily="2" charset="-122"/>
+                <a:cs typeface="Times New Roman" panose="02020603050405020304" pitchFamily="18" charset="0"/>
+              </a:rPr>
+              <a:t>确认测试、系统测试、验收测试</a:t>
+            </a:r>
+            <a:r>
+              <a:rPr lang="zh-CN" altLang="zh-CN" sz="2400" dirty="0">
+                <a:latin typeface="Calibri" panose="020F0502020204030204" pitchFamily="34" charset="0"/>
+                <a:ea typeface="宋体" panose="02010600030101010101" pitchFamily="2" charset="-122"/>
+                <a:cs typeface="Times New Roman" panose="02020603050405020304" pitchFamily="18" charset="0"/>
+              </a:rPr>
               <a:t>都采用黑盒测试。</a:t>
             </a:r>
-            <a:endParaRPr lang="zh-CN" altLang="en-US" dirty="0"/>
+            <a:endParaRPr lang="zh-CN" altLang="en-US" sz="2400" dirty="0"/>
           </a:p>
         </p:txBody>
       </p:sp>
@@ -15801,8 +15805,8 @@
         </p:nvSpPr>
         <p:spPr bwMode="auto">
           <a:xfrm>
-            <a:off x="2043114" y="1906589"/>
-            <a:ext cx="8167687" cy="4016375"/>
+            <a:off x="145495" y="1728788"/>
+            <a:ext cx="12085161" cy="3734997"/>
           </a:xfrm>
           <a:prstGeom prst="rect">
             <a:avLst/>
@@ -15832,7 +15836,7 @@
           </a:extLst>
         </p:spPr>
         <p:txBody>
-          <a:bodyPr>
+          <a:bodyPr wrap="square">
             <a:spAutoFit/>
           </a:bodyPr>
           <a:lstStyle>
@@ -15956,39 +15960,131 @@
               <a:defRPr/>
             </a:pPr>
             <a:r>
+              <a:rPr lang="zh-CN" altLang="en-US" sz="2400" dirty="0">
+                <a:solidFill>
+                  <a:prstClr val="black"/>
+                </a:solidFill>
+                <a:latin typeface="宋体" panose="02010600030101010101" pitchFamily="2" charset="-122"/>
+              </a:rPr>
+              <a:t>（</a:t>
+            </a:r>
+            <a:r>
               <a:rPr lang="en-US" altLang="zh-CN" sz="2400" dirty="0">
                 <a:solidFill>
                   <a:prstClr val="black"/>
                 </a:solidFill>
-              </a:rPr>
-              <a:t>       </a:t>
-            </a:r>
-            <a:r>
-              <a:rPr lang="zh-CN" altLang="zh-CN" sz="2400" dirty="0">
+                <a:latin typeface="宋体" panose="02010600030101010101" pitchFamily="2" charset="-122"/>
+              </a:rPr>
+              <a:t>1</a:t>
+            </a:r>
+            <a:r>
+              <a:rPr lang="zh-CN" altLang="en-US" sz="2400" dirty="0">
                 <a:solidFill>
                   <a:prstClr val="black"/>
                 </a:solidFill>
                 <a:latin typeface="宋体" panose="02010600030101010101" pitchFamily="2" charset="-122"/>
               </a:rPr>
-              <a:t>经验表明，</a:t>
-            </a:r>
-            <a:r>
-              <a:rPr lang="zh-CN" altLang="zh-CN" sz="2400" b="1" dirty="0">
+              <a:t>）边界值分析方法的考虑：</a:t>
+            </a:r>
+          </a:p>
+          <a:p>
+            <a:pPr marL="0" indent="0" fontAlgn="base">
+              <a:lnSpc>
+                <a:spcPts val="3200"/>
+              </a:lnSpc>
+              <a:spcBef>
+                <a:spcPct val="0"/>
+              </a:spcBef>
+              <a:spcAft>
+                <a:spcPct val="0"/>
+              </a:spcAft>
+              <a:defRPr/>
+            </a:pPr>
+            <a:r>
+              <a:rPr lang="zh-CN" altLang="en-US" sz="2400" dirty="0">
                 <a:solidFill>
                   <a:prstClr val="black"/>
                 </a:solidFill>
                 <a:latin typeface="宋体" panose="02010600030101010101" pitchFamily="2" charset="-122"/>
               </a:rPr>
-              <a:t>处理边界情况时程序最容易发生错误</a:t>
-            </a:r>
-            <a:r>
-              <a:rPr lang="zh-CN" altLang="zh-CN" sz="2400" dirty="0">
+              <a:t>长期的测试工作经验告诉我们，大量的错误是发生在输入或输出范围的边界上，而不是发生在输入输出范围的内部</a:t>
+            </a:r>
+            <a:r>
+              <a:rPr lang="en-US" altLang="zh-CN" sz="2400" dirty="0">
                 <a:solidFill>
                   <a:prstClr val="black"/>
                 </a:solidFill>
                 <a:latin typeface="宋体" panose="02010600030101010101" pitchFamily="2" charset="-122"/>
               </a:rPr>
-              <a:t>。例如，许多程序错误出现在下标、纯量、数据结构和循环等等的边界附近。因此，设计使程序运行在边界情况附近的测试方案，暴露出程序错误的可能性更大一些。</a:t>
+              <a:t>.</a:t>
+            </a:r>
+            <a:r>
+              <a:rPr lang="zh-CN" altLang="en-US" sz="2400" dirty="0">
+                <a:solidFill>
+                  <a:prstClr val="black"/>
+                </a:solidFill>
+                <a:latin typeface="宋体" panose="02010600030101010101" pitchFamily="2" charset="-122"/>
+              </a:rPr>
+              <a:t>因此针对各种边界情况设计测试用例，可以查出更多的错误。</a:t>
+            </a:r>
+          </a:p>
+          <a:p>
+            <a:pPr marL="0" indent="0" fontAlgn="base">
+              <a:lnSpc>
+                <a:spcPts val="3200"/>
+              </a:lnSpc>
+              <a:spcBef>
+                <a:spcPct val="0"/>
+              </a:spcBef>
+              <a:spcAft>
+                <a:spcPct val="0"/>
+              </a:spcAft>
+              <a:defRPr/>
+            </a:pPr>
+            <a:r>
+              <a:rPr lang="zh-CN" altLang="en-US" sz="2400" dirty="0">
+                <a:solidFill>
+                  <a:prstClr val="black"/>
+                </a:solidFill>
+                <a:latin typeface="宋体" panose="02010600030101010101" pitchFamily="2" charset="-122"/>
+              </a:rPr>
+              <a:t>使用边界值分析方法设计测试用例，首先应确定边界情况</a:t>
+            </a:r>
+            <a:r>
+              <a:rPr lang="en-US" altLang="zh-CN" sz="2400" dirty="0">
+                <a:solidFill>
+                  <a:prstClr val="black"/>
+                </a:solidFill>
+                <a:latin typeface="宋体" panose="02010600030101010101" pitchFamily="2" charset="-122"/>
+              </a:rPr>
+              <a:t>.</a:t>
+            </a:r>
+            <a:r>
+              <a:rPr lang="zh-CN" altLang="en-US" sz="2400" dirty="0">
+                <a:solidFill>
+                  <a:prstClr val="black"/>
+                </a:solidFill>
+                <a:latin typeface="宋体" panose="02010600030101010101" pitchFamily="2" charset="-122"/>
+              </a:rPr>
+              <a:t>通常输入和输出等价类的边界，就是应着重测试的边界情况</a:t>
+            </a:r>
+            <a:r>
+              <a:rPr lang="en-US" altLang="zh-CN" sz="2400" dirty="0">
+                <a:solidFill>
+                  <a:prstClr val="black"/>
+                </a:solidFill>
+                <a:latin typeface="宋体" panose="02010600030101010101" pitchFamily="2" charset="-122"/>
+              </a:rPr>
+              <a:t>.</a:t>
+            </a:r>
+            <a:r>
+              <a:rPr lang="zh-CN" altLang="en-US" sz="2400" dirty="0">
+                <a:solidFill>
+                  <a:prstClr val="black"/>
+                </a:solidFill>
+                <a:latin typeface="宋体" panose="02010600030101010101" pitchFamily="2" charset="-122"/>
+              </a:rPr>
+              <a:t>应当选取正好等于，刚刚大于或刚刚小于边界的值作为测试数据，而不是选取等价类中的典型值或任意值作为测试数据。</a:t>
             </a:r>
             <a:endParaRPr lang="en-US" altLang="zh-CN" sz="2400" dirty="0">
               <a:solidFill>
@@ -16011,40 +16107,13 @@
               <a:defRPr/>
             </a:pPr>
             <a:r>
-              <a:rPr lang="en-US" altLang="zh-CN" sz="2400" dirty="0">
+              <a:rPr lang="zh-CN" altLang="en-US" sz="2400" dirty="0">
                 <a:solidFill>
                   <a:prstClr val="black"/>
                 </a:solidFill>
                 <a:latin typeface="宋体" panose="02010600030101010101" pitchFamily="2" charset="-122"/>
               </a:rPr>
-              <a:t>    </a:t>
-            </a:r>
-            <a:r>
-              <a:rPr lang="zh-CN" altLang="zh-CN" sz="2400" dirty="0">
-                <a:solidFill>
-                  <a:prstClr val="black"/>
-                </a:solidFill>
-                <a:latin typeface="宋体" panose="02010600030101010101" pitchFamily="2" charset="-122"/>
-              </a:rPr>
-              <a:t>使用</a:t>
-            </a:r>
-            <a:r>
-              <a:rPr lang="zh-CN" altLang="zh-CN" sz="2400" b="1" dirty="0">
-                <a:solidFill>
-                  <a:srgbClr val="C00000"/>
-                </a:solidFill>
-                <a:latin typeface="宋体" panose="02010600030101010101" pitchFamily="2" charset="-122"/>
-              </a:rPr>
-              <a:t>边界值分析方法</a:t>
-            </a:r>
-            <a:r>
-              <a:rPr lang="zh-CN" altLang="zh-CN" sz="2400" dirty="0">
-                <a:solidFill>
-                  <a:prstClr val="black"/>
-                </a:solidFill>
-                <a:latin typeface="宋体" panose="02010600030101010101" pitchFamily="2" charset="-122"/>
-              </a:rPr>
-              <a:t>设计测试方案首先应该确定边界情况，通常输入等价类和输出等价类的边界。选取的测试数据应该刚好等于、刚刚小于和刚刚大于边界值。</a:t>
+              <a:t>边界值分析是通过选择等价类边界的测试用例。边界值分析法不仅重视输入条件边界，而且也必须考虑输出域边界。它是对等价类划分方法的补充。</a:t>
             </a:r>
             <a:endParaRPr lang="en-US" altLang="zh-CN" sz="2400" dirty="0">
               <a:solidFill>
@@ -16059,7 +16128,7 @@
                 <a:spcPts val="3200"/>
               </a:lnSpc>
               <a:spcBef>
-                <a:spcPts val="1800"/>
+                <a:spcPct val="0"/>
               </a:spcBef>
               <a:spcAft>
                 <a:spcPct val="0"/>
@@ -16073,7 +16142,7 @@
                 </a:solidFill>
                 <a:latin typeface="宋体" panose="02010600030101010101" pitchFamily="2" charset="-122"/>
               </a:rPr>
-              <a:t>    </a:t>
+              <a:t>   </a:t>
             </a:r>
             <a:r>
               <a:rPr lang="zh-CN" altLang="zh-CN" sz="2400" b="1" dirty="0">
@@ -16491,6 +16560,172 @@
 </file>
 
 <file path=ppt/slides/slide15.xml><?xml version="1.0" encoding="utf-8"?>
+<p:sld xmlns:a="http://schemas.openxmlformats.org/drawingml/2006/main" xmlns:r="http://schemas.openxmlformats.org/officeDocument/2006/relationships" xmlns:p="http://schemas.openxmlformats.org/presentationml/2006/main">
+  <p:cSld>
+    <p:spTree>
+      <p:nvGrpSpPr>
+        <p:cNvPr id="1" name=""/>
+        <p:cNvGrpSpPr/>
+        <p:nvPr/>
+      </p:nvGrpSpPr>
+      <p:grpSpPr>
+        <a:xfrm>
+          <a:off x="0" y="0"/>
+          <a:ext cx="0" cy="0"/>
+          <a:chOff x="0" y="0"/>
+          <a:chExt cx="0" cy="0"/>
+        </a:xfrm>
+      </p:grpSpPr>
+      <p:sp>
+        <p:nvSpPr>
+          <p:cNvPr id="4" name="矩形 3">
+            <a:extLst>
+              <a:ext uri="{FF2B5EF4-FFF2-40B4-BE49-F238E27FC236}">
+                <a16:creationId xmlns:a16="http://schemas.microsoft.com/office/drawing/2014/main" id="{BBC3D7B0-C1D6-4F62-B987-089DEACDE12B}"/>
+              </a:ext>
+            </a:extLst>
+          </p:cNvPr>
+          <p:cNvSpPr/>
+          <p:nvPr/>
+        </p:nvSpPr>
+        <p:spPr>
+          <a:xfrm>
+            <a:off x="3048000" y="1582341"/>
+            <a:ext cx="6096000" cy="3693319"/>
+          </a:xfrm>
+          <a:prstGeom prst="rect">
+            <a:avLst/>
+          </a:prstGeom>
+        </p:spPr>
+        <p:txBody>
+          <a:bodyPr>
+            <a:spAutoFit/>
+          </a:bodyPr>
+          <a:lstStyle/>
+          <a:p>
+            <a:r>
+              <a:rPr lang="zh-CN" altLang="en-US" dirty="0"/>
+              <a:t>（</a:t>
+            </a:r>
+            <a:r>
+              <a:rPr lang="en-US" altLang="zh-CN" dirty="0"/>
+              <a:t>2</a:t>
+            </a:r>
+            <a:r>
+              <a:rPr lang="zh-CN" altLang="en-US" dirty="0"/>
+              <a:t>）基于边界值分析方法选择测试用例的原则：</a:t>
+            </a:r>
+          </a:p>
+          <a:p>
+            <a:r>
+              <a:rPr lang="en-US" altLang="zh-CN" dirty="0"/>
+              <a:t>1</a:t>
+            </a:r>
+            <a:r>
+              <a:rPr lang="zh-CN" altLang="en-US" dirty="0"/>
+              <a:t>）如果输入条件规定了值的范围，则应取刚达到这个范围的边界的值，以及刚刚超越这个范围边界的值作为测试输入数据。</a:t>
+            </a:r>
+          </a:p>
+          <a:p>
+            <a:r>
+              <a:rPr lang="en-US" altLang="zh-CN" dirty="0"/>
+              <a:t>2</a:t>
+            </a:r>
+            <a:r>
+              <a:rPr lang="zh-CN" altLang="en-US" dirty="0"/>
+              <a:t>）如果输入条件规定了值的个数，则用最大个数</a:t>
+            </a:r>
+            <a:r>
+              <a:rPr lang="en-US" altLang="zh-CN" dirty="0"/>
+              <a:t>,</a:t>
+            </a:r>
+            <a:r>
+              <a:rPr lang="zh-CN" altLang="en-US" dirty="0"/>
+              <a:t>最小个数，比最小个数少一，比最大个数多一的数作为测试数据。</a:t>
+            </a:r>
+          </a:p>
+          <a:p>
+            <a:r>
+              <a:rPr lang="en-US" altLang="zh-CN" dirty="0"/>
+              <a:t>3</a:t>
+            </a:r>
+            <a:r>
+              <a:rPr lang="zh-CN" altLang="en-US" dirty="0"/>
+              <a:t>）根据规格说明的每个输出条件，使用前面的原则</a:t>
+            </a:r>
+            <a:r>
+              <a:rPr lang="en-US" altLang="zh-CN" dirty="0"/>
+              <a:t>1</a:t>
+            </a:r>
+            <a:r>
+              <a:rPr lang="zh-CN" altLang="en-US" dirty="0"/>
+              <a:t>）。</a:t>
+            </a:r>
+          </a:p>
+          <a:p>
+            <a:r>
+              <a:rPr lang="en-US" altLang="zh-CN" dirty="0"/>
+              <a:t>4</a:t>
+            </a:r>
+            <a:r>
+              <a:rPr lang="zh-CN" altLang="en-US" dirty="0"/>
+              <a:t>）根据规格说明的每个输出条件，应用前面的原则</a:t>
+            </a:r>
+            <a:r>
+              <a:rPr lang="en-US" altLang="zh-CN" dirty="0"/>
+              <a:t>2</a:t>
+            </a:r>
+            <a:r>
+              <a:rPr lang="zh-CN" altLang="en-US" dirty="0"/>
+              <a:t>）。</a:t>
+            </a:r>
+          </a:p>
+          <a:p>
+            <a:r>
+              <a:rPr lang="en-US" altLang="zh-CN" dirty="0"/>
+              <a:t>5</a:t>
+            </a:r>
+            <a:r>
+              <a:rPr lang="zh-CN" altLang="en-US" dirty="0"/>
+              <a:t>）如果程序的规格说明给出的输入域或输出域是有序集合，则应选取集合的第一个元素和最后一个元素作为测试用例。</a:t>
+            </a:r>
+          </a:p>
+          <a:p>
+            <a:r>
+              <a:rPr lang="en-US" altLang="zh-CN" dirty="0"/>
+              <a:t>6</a:t>
+            </a:r>
+            <a:r>
+              <a:rPr lang="zh-CN" altLang="en-US" dirty="0"/>
+              <a:t>）如果程序中使用了一个内部数据结构，则应当选择这个内部数据结构的边界上的值作为测试用例。</a:t>
+            </a:r>
+          </a:p>
+          <a:p>
+            <a:r>
+              <a:rPr lang="en-US" altLang="zh-CN" dirty="0"/>
+              <a:t>7</a:t>
+            </a:r>
+            <a:r>
+              <a:rPr lang="zh-CN" altLang="en-US" dirty="0"/>
+              <a:t>）分析规格说明，找出其它可能的边界条件。</a:t>
+            </a:r>
+          </a:p>
+        </p:txBody>
+      </p:sp>
+    </p:spTree>
+    <p:extLst>
+      <p:ext uri="{BB962C8B-B14F-4D97-AF65-F5344CB8AC3E}">
+        <p14:creationId xmlns:p14="http://schemas.microsoft.com/office/powerpoint/2010/main" val="1575599815"/>
+      </p:ext>
+    </p:extLst>
+  </p:cSld>
+  <p:clrMapOvr>
+    <a:masterClrMapping/>
+  </p:clrMapOvr>
+</p:sld>
+</file>
+
+<file path=ppt/slides/slide16.xml><?xml version="1.0" encoding="utf-8"?>
 <p:sld xmlns:a="http://schemas.openxmlformats.org/drawingml/2006/main" xmlns:r="http://schemas.openxmlformats.org/officeDocument/2006/relationships" xmlns:p="http://schemas.openxmlformats.org/presentationml/2006/main">
   <p:cSld>
     <p:spTree>
@@ -17960,7 +18195,7 @@
 </p:sld>
 </file>
 
-<file path=ppt/slides/slide16.xml><?xml version="1.0" encoding="utf-8"?>
+<file path=ppt/slides/slide17.xml><?xml version="1.0" encoding="utf-8"?>
 <p:sld xmlns:a="http://schemas.openxmlformats.org/drawingml/2006/main" xmlns:r="http://schemas.openxmlformats.org/officeDocument/2006/relationships" xmlns:p="http://schemas.openxmlformats.org/presentationml/2006/main">
   <p:cSld>
     <p:spTree>
@@ -18090,7 +18325,7 @@
         <p:spPr bwMode="auto">
           <a:xfrm>
             <a:off x="1919288" y="1700214"/>
-            <a:ext cx="8445500" cy="4270375"/>
+            <a:ext cx="8445500" cy="6386364"/>
           </a:xfrm>
           <a:prstGeom prst="rect">
             <a:avLst/>
@@ -18244,30 +18479,151 @@
               <a:defRPr/>
             </a:pPr>
             <a:r>
-              <a:rPr lang="en-US" altLang="zh-CN" sz="2400" b="1" dirty="0">
-                <a:solidFill>
-                  <a:srgbClr val="C00000"/>
-                </a:solidFill>
-              </a:rPr>
-              <a:t>       </a:t>
-            </a:r>
-            <a:r>
-              <a:rPr lang="zh-CN" altLang="zh-CN" sz="2400" b="1" dirty="0">
-                <a:solidFill>
-                  <a:srgbClr val="C00000"/>
-                </a:solidFill>
+              <a:rPr lang="zh-CN" altLang="zh-CN" sz="2400" dirty="0">
+                <a:solidFill>
+                  <a:srgbClr val="FF0000"/>
+                </a:solidFill>
+                <a:latin typeface="Arial" panose="020B0604020202020204" pitchFamily="34" charset="0"/>
+                <a:cs typeface="Arial" panose="020B0604020202020204" pitchFamily="34" charset="0"/>
+              </a:rPr>
+              <a:t>错误推测法</a:t>
+            </a:r>
+            <a:r>
+              <a:rPr lang="zh-CN" altLang="zh-CN" sz="2400" dirty="0">
+                <a:solidFill>
+                  <a:srgbClr val="333333"/>
+                </a:solidFill>
+                <a:latin typeface="Arial" panose="020B0604020202020204" pitchFamily="34" charset="0"/>
+                <a:cs typeface="Arial" panose="020B0604020202020204" pitchFamily="34" charset="0"/>
+              </a:rPr>
+              <a:t>是基于经验和直觉推测</a:t>
+            </a:r>
+            <a:r>
+              <a:rPr lang="en-US" altLang="zh-CN" sz="2400" dirty="0">
                 <a:latin typeface="宋体" panose="02010600030101010101" pitchFamily="2" charset="-122"/>
-              </a:rPr>
-              <a:t>错误推测法</a:t>
+                <a:cs typeface="Arial" panose="020B0604020202020204" pitchFamily="34" charset="0"/>
+              </a:rPr>
+              <a:t>程序</a:t>
             </a:r>
             <a:r>
               <a:rPr lang="zh-CN" altLang="zh-CN" sz="2400" dirty="0">
                 <a:solidFill>
+                  <a:srgbClr val="333333"/>
+                </a:solidFill>
+                <a:latin typeface="Arial" panose="020B0604020202020204" pitchFamily="34" charset="0"/>
+                <a:cs typeface="Arial" panose="020B0604020202020204" pitchFamily="34" charset="0"/>
+              </a:rPr>
+              <a:t>中所有可能存在的各种错误</a:t>
+            </a:r>
+            <a:r>
+              <a:rPr lang="zh-CN" altLang="zh-CN" sz="2400" dirty="0">
+                <a:solidFill>
                   <a:prstClr val="black"/>
                 </a:solidFill>
                 <a:latin typeface="宋体" panose="02010600030101010101" pitchFamily="2" charset="-122"/>
               </a:rPr>
-              <a:t>在很大程度上靠直觉和经验进行。它的基本想法是列举出程序中可能有的错误和容易发生错误的特殊情况，并且根据它们选择测试方案。</a:t>
+              <a:t>。它的基本想法是列举出程序中可能有的错误和容易发生错误的特殊情况，并且根据它们选择测试方案。</a:t>
+            </a:r>
+            <a:endParaRPr lang="en-US" altLang="zh-CN" sz="2400" dirty="0">
+              <a:solidFill>
+                <a:prstClr val="black"/>
+              </a:solidFill>
+              <a:latin typeface="宋体" panose="02010600030101010101" pitchFamily="2" charset="-122"/>
+            </a:endParaRPr>
+          </a:p>
+          <a:p>
+            <a:pPr marL="0" indent="0" fontAlgn="base">
+              <a:lnSpc>
+                <a:spcPts val="3300"/>
+              </a:lnSpc>
+              <a:spcBef>
+                <a:spcPct val="0"/>
+              </a:spcBef>
+              <a:spcAft>
+                <a:spcPct val="0"/>
+              </a:spcAft>
+              <a:defRPr/>
+            </a:pPr>
+            <a:r>
+              <a:rPr lang="zh-CN" altLang="en-US" sz="2400" dirty="0">
+                <a:solidFill>
+                  <a:prstClr val="black"/>
+                </a:solidFill>
+                <a:latin typeface="宋体" panose="02010600030101010101" pitchFamily="2" charset="-122"/>
+              </a:rPr>
+              <a:t>例如，在单元测试时曾列出的许多在模块中常见的错误</a:t>
+            </a:r>
+            <a:r>
+              <a:rPr lang="en-US" altLang="zh-CN" sz="2400" dirty="0">
+                <a:solidFill>
+                  <a:prstClr val="black"/>
+                </a:solidFill>
+                <a:latin typeface="宋体" panose="02010600030101010101" pitchFamily="2" charset="-122"/>
+              </a:rPr>
+              <a:t>. </a:t>
+            </a:r>
+            <a:r>
+              <a:rPr lang="zh-CN" altLang="en-US" sz="2400" dirty="0">
+                <a:solidFill>
+                  <a:prstClr val="black"/>
+                </a:solidFill>
+                <a:latin typeface="宋体" panose="02010600030101010101" pitchFamily="2" charset="-122"/>
+              </a:rPr>
+              <a:t>以前产品测试中曾经发现的错误等，这些就是经验的总结。还有，输入数据和输出数据为</a:t>
+            </a:r>
+            <a:r>
+              <a:rPr lang="en-US" altLang="zh-CN" sz="2400" dirty="0">
+                <a:solidFill>
+                  <a:prstClr val="black"/>
+                </a:solidFill>
+                <a:latin typeface="宋体" panose="02010600030101010101" pitchFamily="2" charset="-122"/>
+              </a:rPr>
+              <a:t>0</a:t>
+            </a:r>
+            <a:r>
+              <a:rPr lang="zh-CN" altLang="en-US" sz="2400" dirty="0">
+                <a:solidFill>
+                  <a:prstClr val="black"/>
+                </a:solidFill>
+                <a:latin typeface="宋体" panose="02010600030101010101" pitchFamily="2" charset="-122"/>
+              </a:rPr>
+              <a:t>的情况</a:t>
+            </a:r>
+            <a:r>
+              <a:rPr lang="en-US" altLang="zh-CN" sz="2400" dirty="0">
+                <a:solidFill>
+                  <a:prstClr val="black"/>
+                </a:solidFill>
+                <a:latin typeface="宋体" panose="02010600030101010101" pitchFamily="2" charset="-122"/>
+              </a:rPr>
+              <a:t>. </a:t>
+            </a:r>
+            <a:r>
+              <a:rPr lang="zh-CN" altLang="en-US" sz="2400" dirty="0">
+                <a:solidFill>
+                  <a:prstClr val="black"/>
+                </a:solidFill>
+                <a:latin typeface="宋体" panose="02010600030101010101" pitchFamily="2" charset="-122"/>
+              </a:rPr>
+              <a:t>输入表格为空格或输入表格只有一行</a:t>
+            </a:r>
+            <a:r>
+              <a:rPr lang="en-US" altLang="zh-CN" sz="2400" dirty="0">
+                <a:solidFill>
+                  <a:prstClr val="black"/>
+                </a:solidFill>
+                <a:latin typeface="宋体" panose="02010600030101010101" pitchFamily="2" charset="-122"/>
+              </a:rPr>
+              <a:t>. </a:t>
+            </a:r>
+            <a:r>
+              <a:rPr lang="zh-CN" altLang="en-US" sz="2400" dirty="0">
+                <a:solidFill>
+                  <a:prstClr val="black"/>
+                </a:solidFill>
+                <a:latin typeface="宋体" panose="02010600030101010101" pitchFamily="2" charset="-122"/>
+              </a:rPr>
+              <a:t>这些都是容易发生错误的情况。可选择这些情况下的例子作为测试用例。</a:t>
             </a:r>
             <a:endParaRPr lang="en-US" altLang="zh-CN" sz="2400" dirty="0">
               <a:solidFill>
@@ -18796,7 +19152,7 @@
 </p:sld>
 </file>
 
-<file path=ppt/slides/slide17.xml><?xml version="1.0" encoding="utf-8"?>
+<file path=ppt/slides/slide18.xml><?xml version="1.0" encoding="utf-8"?>
 <p:sld xmlns:a="http://schemas.openxmlformats.org/drawingml/2006/main" xmlns:r="http://schemas.openxmlformats.org/officeDocument/2006/relationships" xmlns:p="http://schemas.openxmlformats.org/presentationml/2006/main">
   <p:cSld>
     <p:spTree>
@@ -19570,7 +19926,474 @@
 </p:sld>
 </file>
 
+<file path=ppt/slides/slide19.xml><?xml version="1.0" encoding="utf-8"?>
+<p:sld xmlns:a="http://schemas.openxmlformats.org/drawingml/2006/main" xmlns:r="http://schemas.openxmlformats.org/officeDocument/2006/relationships" xmlns:p="http://schemas.openxmlformats.org/presentationml/2006/main">
+  <p:cSld>
+    <p:spTree>
+      <p:nvGrpSpPr>
+        <p:cNvPr id="1" name=""/>
+        <p:cNvGrpSpPr/>
+        <p:nvPr/>
+      </p:nvGrpSpPr>
+      <p:grpSpPr>
+        <a:xfrm>
+          <a:off x="0" y="0"/>
+          <a:ext cx="0" cy="0"/>
+          <a:chOff x="0" y="0"/>
+          <a:chExt cx="0" cy="0"/>
+        </a:xfrm>
+      </p:grpSpPr>
+      <p:sp>
+        <p:nvSpPr>
+          <p:cNvPr id="4" name="文本框 3">
+            <a:extLst>
+              <a:ext uri="{FF2B5EF4-FFF2-40B4-BE49-F238E27FC236}">
+                <a16:creationId xmlns:a16="http://schemas.microsoft.com/office/drawing/2014/main" id="{9A3ED2D5-2693-4BA5-ADAA-121A46509503}"/>
+              </a:ext>
+            </a:extLst>
+          </p:cNvPr>
+          <p:cNvSpPr txBox="1"/>
+          <p:nvPr/>
+        </p:nvSpPr>
+        <p:spPr>
+          <a:xfrm>
+            <a:off x="4506012" y="1319753"/>
+            <a:ext cx="2441694" cy="1446550"/>
+          </a:xfrm>
+          <a:prstGeom prst="rect">
+            <a:avLst/>
+          </a:prstGeom>
+          <a:noFill/>
+        </p:spPr>
+        <p:txBody>
+          <a:bodyPr wrap="none" rtlCol="0">
+            <a:spAutoFit/>
+          </a:bodyPr>
+          <a:lstStyle/>
+          <a:p>
+            <a:r>
+              <a:rPr lang="zh-CN" altLang="en-US" sz="8800" dirty="0"/>
+              <a:t>扩展</a:t>
+            </a:r>
+          </a:p>
+        </p:txBody>
+      </p:sp>
+    </p:spTree>
+    <p:extLst>
+      <p:ext uri="{BB962C8B-B14F-4D97-AF65-F5344CB8AC3E}">
+        <p14:creationId xmlns:p14="http://schemas.microsoft.com/office/powerpoint/2010/main" val="3712089390"/>
+      </p:ext>
+    </p:extLst>
+  </p:cSld>
+  <p:clrMapOvr>
+    <a:masterClrMapping/>
+  </p:clrMapOvr>
+</p:sld>
+</file>
+
 <file path=ppt/slides/slide2.xml><?xml version="1.0" encoding="utf-8"?>
+<p:sld xmlns:a="http://schemas.openxmlformats.org/drawingml/2006/main" xmlns:r="http://schemas.openxmlformats.org/officeDocument/2006/relationships" xmlns:p="http://schemas.openxmlformats.org/presentationml/2006/main">
+  <p:cSld>
+    <p:spTree>
+      <p:nvGrpSpPr>
+        <p:cNvPr id="1" name=""/>
+        <p:cNvGrpSpPr/>
+        <p:nvPr/>
+      </p:nvGrpSpPr>
+      <p:grpSpPr>
+        <a:xfrm>
+          <a:off x="0" y="0"/>
+          <a:ext cx="0" cy="0"/>
+          <a:chOff x="0" y="0"/>
+          <a:chExt cx="0" cy="0"/>
+        </a:xfrm>
+      </p:grpSpPr>
+      <p:sp>
+        <p:nvSpPr>
+          <p:cNvPr id="4" name="矩形 3">
+            <a:extLst>
+              <a:ext uri="{FF2B5EF4-FFF2-40B4-BE49-F238E27FC236}">
+                <a16:creationId xmlns:a16="http://schemas.microsoft.com/office/drawing/2014/main" id="{34E22CF0-814C-491E-8B5D-5D36A8494199}"/>
+              </a:ext>
+            </a:extLst>
+          </p:cNvPr>
+          <p:cNvSpPr/>
+          <p:nvPr/>
+        </p:nvSpPr>
+        <p:spPr>
+          <a:xfrm>
+            <a:off x="886120" y="984831"/>
+            <a:ext cx="9851010" cy="4524315"/>
+          </a:xfrm>
+          <a:prstGeom prst="rect">
+            <a:avLst/>
+          </a:prstGeom>
+        </p:spPr>
+        <p:txBody>
+          <a:bodyPr wrap="square">
+            <a:spAutoFit/>
+          </a:bodyPr>
+          <a:lstStyle/>
+          <a:p>
+            <a:r>
+              <a:rPr lang="zh-CN" altLang="zh-CN" sz="2400" dirty="0">
+                <a:latin typeface="Calibri" panose="020F0502020204030204" pitchFamily="34" charset="0"/>
+                <a:ea typeface="宋体" panose="02010600030101010101" pitchFamily="2" charset="-122"/>
+                <a:cs typeface="Times New Roman" panose="02020603050405020304" pitchFamily="18" charset="0"/>
+              </a:rPr>
+              <a:t>黑盒测试首先是程序通常的</a:t>
+            </a:r>
+            <a:r>
+              <a:rPr lang="zh-CN" altLang="zh-CN" sz="2400" dirty="0">
+                <a:solidFill>
+                  <a:srgbClr val="FF0000"/>
+                </a:solidFill>
+                <a:latin typeface="Calibri" panose="020F0502020204030204" pitchFamily="34" charset="0"/>
+                <a:ea typeface="宋体" panose="02010600030101010101" pitchFamily="2" charset="-122"/>
+                <a:cs typeface="Times New Roman" panose="02020603050405020304" pitchFamily="18" charset="0"/>
+              </a:rPr>
+              <a:t>功能性测试</a:t>
+            </a:r>
+            <a:r>
+              <a:rPr lang="zh-CN" altLang="zh-CN" sz="2400" dirty="0">
+                <a:latin typeface="Calibri" panose="020F0502020204030204" pitchFamily="34" charset="0"/>
+                <a:ea typeface="宋体" panose="02010600030101010101" pitchFamily="2" charset="-122"/>
+                <a:cs typeface="Times New Roman" panose="02020603050405020304" pitchFamily="18" charset="0"/>
+              </a:rPr>
+              <a:t>。要求：</a:t>
+            </a:r>
+            <a:br>
+              <a:rPr lang="en-US" altLang="zh-CN" sz="2400" dirty="0">
+                <a:latin typeface="Calibri" panose="020F0502020204030204" pitchFamily="34" charset="0"/>
+                <a:ea typeface="宋体" panose="02010600030101010101" pitchFamily="2" charset="-122"/>
+                <a:cs typeface="Times New Roman" panose="02020603050405020304" pitchFamily="18" charset="0"/>
+              </a:rPr>
+            </a:br>
+            <a:r>
+              <a:rPr lang="en-US" altLang="zh-CN" sz="2400" dirty="0">
+                <a:latin typeface="Calibri" panose="020F0502020204030204" pitchFamily="34" charset="0"/>
+                <a:ea typeface="宋体" panose="02010600030101010101" pitchFamily="2" charset="-122"/>
+                <a:cs typeface="Times New Roman" panose="02020603050405020304" pitchFamily="18" charset="0"/>
+              </a:rPr>
+              <a:t>    </a:t>
+            </a:r>
+            <a:r>
+              <a:rPr lang="zh-CN" altLang="zh-CN" sz="2400" dirty="0">
+                <a:latin typeface="Calibri" panose="020F0502020204030204" pitchFamily="34" charset="0"/>
+                <a:ea typeface="宋体" panose="02010600030101010101" pitchFamily="2" charset="-122"/>
+                <a:cs typeface="Times New Roman" panose="02020603050405020304" pitchFamily="18" charset="0"/>
+              </a:rPr>
+              <a:t>每个</a:t>
+            </a:r>
+            <a:r>
+              <a:rPr lang="en-US" altLang="zh-CN" sz="2400" u="sng" dirty="0" err="1">
+                <a:solidFill>
+                  <a:srgbClr val="000000"/>
+                </a:solidFill>
+                <a:latin typeface="宋体" panose="02010600030101010101" pitchFamily="2" charset="-122"/>
+                <a:ea typeface="宋体" panose="02010600030101010101" pitchFamily="2" charset="-122"/>
+                <a:cs typeface="Times New Roman" panose="02020603050405020304" pitchFamily="18" charset="0"/>
+                <a:hlinkClick r:id="rId2" tooltip="软件"/>
+              </a:rPr>
+              <a:t>软件</a:t>
+            </a:r>
+            <a:r>
+              <a:rPr lang="zh-CN" altLang="zh-CN" sz="2400" dirty="0">
+                <a:latin typeface="Calibri" panose="020F0502020204030204" pitchFamily="34" charset="0"/>
+                <a:ea typeface="宋体" panose="02010600030101010101" pitchFamily="2" charset="-122"/>
+                <a:cs typeface="Times New Roman" panose="02020603050405020304" pitchFamily="18" charset="0"/>
+              </a:rPr>
+              <a:t>特性必须被一个测试用例或一个被认可的异常所覆盖；用数据类型和数据值的</a:t>
+            </a:r>
+            <a:r>
+              <a:rPr lang="zh-CN" altLang="zh-CN" sz="2400" dirty="0">
+                <a:solidFill>
+                  <a:srgbClr val="FF0000"/>
+                </a:solidFill>
+                <a:latin typeface="Calibri" panose="020F0502020204030204" pitchFamily="34" charset="0"/>
+                <a:ea typeface="宋体" panose="02010600030101010101" pitchFamily="2" charset="-122"/>
+                <a:cs typeface="Times New Roman" panose="02020603050405020304" pitchFamily="18" charset="0"/>
+              </a:rPr>
+              <a:t>最小</a:t>
+            </a:r>
+            <a:r>
+              <a:rPr lang="zh-CN" altLang="zh-CN" sz="2400" dirty="0">
+                <a:latin typeface="Calibri" panose="020F0502020204030204" pitchFamily="34" charset="0"/>
+                <a:ea typeface="宋体" panose="02010600030101010101" pitchFamily="2" charset="-122"/>
+                <a:cs typeface="Times New Roman" panose="02020603050405020304" pitchFamily="18" charset="0"/>
+              </a:rPr>
+              <a:t>集测试；用一系列真实的数据类型和数据值运行，测试超负荷、饱和及其他“最坏情况”的结果；用</a:t>
+            </a:r>
+            <a:r>
+              <a:rPr lang="zh-CN" altLang="zh-CN" sz="2400" dirty="0">
+                <a:solidFill>
+                  <a:srgbClr val="FF0000"/>
+                </a:solidFill>
+                <a:latin typeface="Calibri" panose="020F0502020204030204" pitchFamily="34" charset="0"/>
+                <a:ea typeface="宋体" panose="02010600030101010101" pitchFamily="2" charset="-122"/>
+                <a:cs typeface="Times New Roman" panose="02020603050405020304" pitchFamily="18" charset="0"/>
+              </a:rPr>
+              <a:t>假想的数据类型和数据值</a:t>
+            </a:r>
+            <a:r>
+              <a:rPr lang="zh-CN" altLang="zh-CN" sz="2400" dirty="0">
+                <a:latin typeface="Calibri" panose="020F0502020204030204" pitchFamily="34" charset="0"/>
+                <a:ea typeface="宋体" panose="02010600030101010101" pitchFamily="2" charset="-122"/>
+                <a:cs typeface="Times New Roman" panose="02020603050405020304" pitchFamily="18" charset="0"/>
+              </a:rPr>
+              <a:t>运行，测试排斥不规则输入的能力；对影响性能的关键模块，如基本算法、应测试单元性能</a:t>
+            </a:r>
+            <a:r>
+              <a:rPr lang="en-US" altLang="zh-CN" sz="2400" dirty="0">
+                <a:latin typeface="Calibri" panose="020F0502020204030204" pitchFamily="34" charset="0"/>
+                <a:ea typeface="宋体" panose="02010600030101010101" pitchFamily="2" charset="-122"/>
+                <a:cs typeface="Times New Roman" panose="02020603050405020304" pitchFamily="18" charset="0"/>
+              </a:rPr>
+              <a:t>(</a:t>
+            </a:r>
+            <a:r>
+              <a:rPr lang="zh-CN" altLang="zh-CN" sz="2400" dirty="0">
+                <a:latin typeface="Calibri" panose="020F0502020204030204" pitchFamily="34" charset="0"/>
+                <a:ea typeface="宋体" panose="02010600030101010101" pitchFamily="2" charset="-122"/>
+                <a:cs typeface="Times New Roman" panose="02020603050405020304" pitchFamily="18" charset="0"/>
+              </a:rPr>
+              <a:t>包括精度、时间、容量等</a:t>
+            </a:r>
+            <a:r>
+              <a:rPr lang="en-US" altLang="zh-CN" sz="2400" dirty="0">
+                <a:latin typeface="Calibri" panose="020F0502020204030204" pitchFamily="34" charset="0"/>
+                <a:ea typeface="宋体" panose="02010600030101010101" pitchFamily="2" charset="-122"/>
+                <a:cs typeface="Times New Roman" panose="02020603050405020304" pitchFamily="18" charset="0"/>
+              </a:rPr>
+              <a:t>)</a:t>
+            </a:r>
+            <a:r>
+              <a:rPr lang="zh-CN" altLang="zh-CN" sz="2400" dirty="0">
+                <a:latin typeface="Calibri" panose="020F0502020204030204" pitchFamily="34" charset="0"/>
+                <a:ea typeface="宋体" panose="02010600030101010101" pitchFamily="2" charset="-122"/>
+                <a:cs typeface="Times New Roman" panose="02020603050405020304" pitchFamily="18" charset="0"/>
+              </a:rPr>
+              <a:t>。</a:t>
+            </a:r>
+            <a:br>
+              <a:rPr lang="en-US" altLang="zh-CN" sz="2400" dirty="0">
+                <a:latin typeface="Calibri" panose="020F0502020204030204" pitchFamily="34" charset="0"/>
+                <a:ea typeface="宋体" panose="02010600030101010101" pitchFamily="2" charset="-122"/>
+                <a:cs typeface="Times New Roman" panose="02020603050405020304" pitchFamily="18" charset="0"/>
+              </a:rPr>
+            </a:br>
+            <a:r>
+              <a:rPr lang="en-US" altLang="zh-CN" sz="2400" dirty="0">
+                <a:latin typeface="Calibri" panose="020F0502020204030204" pitchFamily="34" charset="0"/>
+                <a:ea typeface="宋体" panose="02010600030101010101" pitchFamily="2" charset="-122"/>
+                <a:cs typeface="Times New Roman" panose="02020603050405020304" pitchFamily="18" charset="0"/>
+              </a:rPr>
+              <a:t>    </a:t>
+            </a:r>
+            <a:r>
+              <a:rPr lang="zh-CN" altLang="zh-CN" sz="2400" dirty="0">
+                <a:latin typeface="Calibri" panose="020F0502020204030204" pitchFamily="34" charset="0"/>
+                <a:ea typeface="宋体" panose="02010600030101010101" pitchFamily="2" charset="-122"/>
+                <a:cs typeface="Times New Roman" panose="02020603050405020304" pitchFamily="18" charset="0"/>
+              </a:rPr>
+              <a:t>不仅要考核“程序是否做了该做的</a:t>
+            </a:r>
+            <a:r>
+              <a:rPr lang="en-US" altLang="zh-CN" sz="2400" dirty="0">
+                <a:latin typeface="Calibri" panose="020F0502020204030204" pitchFamily="34" charset="0"/>
+                <a:ea typeface="宋体" panose="02010600030101010101" pitchFamily="2" charset="-122"/>
+                <a:cs typeface="Times New Roman" panose="02020603050405020304" pitchFamily="18" charset="0"/>
+              </a:rPr>
+              <a:t>?</a:t>
+            </a:r>
+            <a:r>
+              <a:rPr lang="zh-CN" altLang="zh-CN" sz="2400" dirty="0">
+                <a:latin typeface="Calibri" panose="020F0502020204030204" pitchFamily="34" charset="0"/>
+                <a:ea typeface="宋体" panose="02010600030101010101" pitchFamily="2" charset="-122"/>
+                <a:cs typeface="Times New Roman" panose="02020603050405020304" pitchFamily="18" charset="0"/>
+              </a:rPr>
+              <a:t>”还要考察“程序是否没做该做的”同时还要考察程序在其他一些情况下是否正常。这些情况包括数据类型和数据值的异常等等。下述几种方法：</a:t>
+            </a:r>
+            <a:r>
+              <a:rPr lang="en-US" altLang="zh-CN" sz="2400" dirty="0">
+                <a:solidFill>
+                  <a:srgbClr val="FF0000"/>
+                </a:solidFill>
+                <a:latin typeface="Calibri" panose="020F0502020204030204" pitchFamily="34" charset="0"/>
+                <a:ea typeface="宋体" panose="02010600030101010101" pitchFamily="2" charset="-122"/>
+                <a:cs typeface="Times New Roman" panose="02020603050405020304" pitchFamily="18" charset="0"/>
+              </a:rPr>
+              <a:t>(a)</a:t>
+            </a:r>
+            <a:r>
+              <a:rPr lang="zh-CN" altLang="zh-CN" sz="2400" dirty="0">
+                <a:solidFill>
+                  <a:srgbClr val="FF0000"/>
+                </a:solidFill>
+                <a:latin typeface="Calibri" panose="020F0502020204030204" pitchFamily="34" charset="0"/>
+                <a:ea typeface="宋体" panose="02010600030101010101" pitchFamily="2" charset="-122"/>
+                <a:cs typeface="Times New Roman" panose="02020603050405020304" pitchFamily="18" charset="0"/>
+              </a:rPr>
+              <a:t>等价类划分</a:t>
+            </a:r>
+            <a:r>
+              <a:rPr lang="zh-CN" altLang="en-US" sz="2400" dirty="0">
+                <a:solidFill>
+                  <a:srgbClr val="FF0000"/>
+                </a:solidFill>
+                <a:latin typeface="Calibri" panose="020F0502020204030204" pitchFamily="34" charset="0"/>
+                <a:ea typeface="宋体" panose="02010600030101010101" pitchFamily="2" charset="-122"/>
+                <a:cs typeface="Times New Roman" panose="02020603050405020304" pitchFamily="18" charset="0"/>
+              </a:rPr>
+              <a:t>，</a:t>
+            </a:r>
+            <a:r>
+              <a:rPr lang="en-US" altLang="zh-CN" sz="2400" dirty="0">
+                <a:solidFill>
+                  <a:srgbClr val="FF0000"/>
+                </a:solidFill>
+                <a:latin typeface="Calibri" panose="020F0502020204030204" pitchFamily="34" charset="0"/>
+                <a:ea typeface="宋体" panose="02010600030101010101" pitchFamily="2" charset="-122"/>
+                <a:cs typeface="Times New Roman" panose="02020603050405020304" pitchFamily="18" charset="0"/>
+              </a:rPr>
+              <a:t>(b)</a:t>
+            </a:r>
+            <a:r>
+              <a:rPr lang="zh-CN" altLang="zh-CN" sz="2400" dirty="0">
+                <a:solidFill>
+                  <a:srgbClr val="FF0000"/>
+                </a:solidFill>
+                <a:latin typeface="Calibri" panose="020F0502020204030204" pitchFamily="34" charset="0"/>
+                <a:ea typeface="宋体" panose="02010600030101010101" pitchFamily="2" charset="-122"/>
+                <a:cs typeface="Times New Roman" panose="02020603050405020304" pitchFamily="18" charset="0"/>
+              </a:rPr>
+              <a:t>边值分析法</a:t>
+            </a:r>
+            <a:r>
+              <a:rPr lang="zh-CN" altLang="zh-CN" sz="2400" dirty="0">
+                <a:solidFill>
+                  <a:srgbClr val="5B9BD5"/>
+                </a:solidFill>
+                <a:latin typeface="Calibri" panose="020F0502020204030204" pitchFamily="34" charset="0"/>
+                <a:ea typeface="宋体" panose="02010600030101010101" pitchFamily="2" charset="-122"/>
+                <a:cs typeface="Times New Roman" panose="02020603050405020304" pitchFamily="18" charset="0"/>
+              </a:rPr>
+              <a:t>，</a:t>
+            </a:r>
+            <a:r>
+              <a:rPr lang="en-US" altLang="zh-CN" sz="2400" dirty="0">
+                <a:solidFill>
+                  <a:srgbClr val="FF0000"/>
+                </a:solidFill>
+                <a:latin typeface="Calibri" panose="020F0502020204030204" pitchFamily="34" charset="0"/>
+                <a:ea typeface="宋体" panose="02010600030101010101" pitchFamily="2" charset="-122"/>
+                <a:cs typeface="Times New Roman" panose="02020603050405020304" pitchFamily="18" charset="0"/>
+              </a:rPr>
+              <a:t>(c)</a:t>
+            </a:r>
+            <a:r>
+              <a:rPr lang="zh-CN" altLang="en-US" sz="2400" dirty="0">
+                <a:solidFill>
+                  <a:srgbClr val="FF0000"/>
+                </a:solidFill>
+                <a:latin typeface="Calibri" panose="020F0502020204030204" pitchFamily="34" charset="0"/>
+                <a:ea typeface="宋体" panose="02010600030101010101" pitchFamily="2" charset="-122"/>
+                <a:cs typeface="Times New Roman" panose="02020603050405020304" pitchFamily="18" charset="0"/>
+              </a:rPr>
+              <a:t>错误推测</a:t>
+            </a:r>
+            <a:r>
+              <a:rPr lang="zh-CN" altLang="zh-CN" sz="2400" dirty="0">
+                <a:solidFill>
+                  <a:srgbClr val="FF0000"/>
+                </a:solidFill>
+                <a:latin typeface="Calibri" panose="020F0502020204030204" pitchFamily="34" charset="0"/>
+                <a:ea typeface="宋体" panose="02010600030101010101" pitchFamily="2" charset="-122"/>
+                <a:cs typeface="Times New Roman" panose="02020603050405020304" pitchFamily="18" charset="0"/>
+              </a:rPr>
+              <a:t>法</a:t>
+            </a:r>
+            <a:r>
+              <a:rPr lang="zh-CN" altLang="en-US" sz="2400" dirty="0">
+                <a:solidFill>
+                  <a:srgbClr val="FF0000"/>
+                </a:solidFill>
+                <a:latin typeface="Calibri" panose="020F0502020204030204" pitchFamily="34" charset="0"/>
+                <a:ea typeface="宋体" panose="02010600030101010101" pitchFamily="2" charset="-122"/>
+                <a:cs typeface="Times New Roman" panose="02020603050405020304" pitchFamily="18" charset="0"/>
+              </a:rPr>
+              <a:t>，</a:t>
+            </a:r>
+            <a:r>
+              <a:rPr lang="en-US" altLang="zh-CN" sz="2400" dirty="0">
+                <a:solidFill>
+                  <a:srgbClr val="5B9BD5"/>
+                </a:solidFill>
+                <a:latin typeface="Calibri" panose="020F0502020204030204" pitchFamily="34" charset="0"/>
+                <a:ea typeface="宋体" panose="02010600030101010101" pitchFamily="2" charset="-122"/>
+                <a:cs typeface="Times New Roman" panose="02020603050405020304" pitchFamily="18" charset="0"/>
+              </a:rPr>
+              <a:t>(d)</a:t>
+            </a:r>
+            <a:r>
+              <a:rPr lang="zh-CN" altLang="zh-CN" sz="2400" dirty="0">
+                <a:solidFill>
+                  <a:srgbClr val="5B9BD5"/>
+                </a:solidFill>
+                <a:latin typeface="Calibri" panose="020F0502020204030204" pitchFamily="34" charset="0"/>
+                <a:ea typeface="宋体" panose="02010600030101010101" pitchFamily="2" charset="-122"/>
+                <a:cs typeface="Times New Roman" panose="02020603050405020304" pitchFamily="18" charset="0"/>
+              </a:rPr>
+              <a:t>因果图方法，</a:t>
+            </a:r>
+            <a:r>
+              <a:rPr lang="en-US" altLang="zh-CN" sz="2400" dirty="0">
+                <a:solidFill>
+                  <a:srgbClr val="5B9BD5"/>
+                </a:solidFill>
+                <a:latin typeface="Calibri" panose="020F0502020204030204" pitchFamily="34" charset="0"/>
+                <a:ea typeface="宋体" panose="02010600030101010101" pitchFamily="2" charset="-122"/>
+                <a:cs typeface="Times New Roman" panose="02020603050405020304" pitchFamily="18" charset="0"/>
+              </a:rPr>
+              <a:t>(e)</a:t>
+            </a:r>
+            <a:r>
+              <a:rPr lang="zh-CN" altLang="zh-CN" sz="2400" dirty="0">
+                <a:solidFill>
+                  <a:srgbClr val="5B9BD5"/>
+                </a:solidFill>
+                <a:latin typeface="Calibri" panose="020F0502020204030204" pitchFamily="34" charset="0"/>
+                <a:ea typeface="宋体" panose="02010600030101010101" pitchFamily="2" charset="-122"/>
+                <a:cs typeface="Times New Roman" panose="02020603050405020304" pitchFamily="18" charset="0"/>
+              </a:rPr>
+              <a:t>随机数法</a:t>
+            </a:r>
+            <a:r>
+              <a:rPr lang="zh-CN" altLang="zh-CN" sz="2400" dirty="0">
+                <a:latin typeface="Calibri" panose="020F0502020204030204" pitchFamily="34" charset="0"/>
+                <a:ea typeface="宋体" panose="02010600030101010101" pitchFamily="2" charset="-122"/>
+                <a:cs typeface="Times New Roman" panose="02020603050405020304" pitchFamily="18" charset="0"/>
+              </a:rPr>
+              <a:t>，就是从更广泛的角度来进行黑盒测试。每一个方法都力图能涵盖更多的“任何情况”，但又各有长处，综合使用这些方法，会得到一个较好的测试用例集。</a:t>
+            </a:r>
+            <a:endParaRPr lang="zh-CN" altLang="en-US" sz="2400" dirty="0"/>
+          </a:p>
+        </p:txBody>
+      </p:sp>
+    </p:spTree>
+    <p:extLst>
+      <p:ext uri="{BB962C8B-B14F-4D97-AF65-F5344CB8AC3E}">
+        <p14:creationId xmlns:p14="http://schemas.microsoft.com/office/powerpoint/2010/main" val="2717024518"/>
+      </p:ext>
+    </p:extLst>
+  </p:cSld>
+  <p:clrMapOvr>
+    <a:masterClrMapping/>
+  </p:clrMapOvr>
+</p:sld>
+</file>
+
+<file path=ppt/slides/slide20.xml><?xml version="1.0" encoding="utf-8"?>
 <p:sld xmlns:a="http://schemas.openxmlformats.org/drawingml/2006/main" xmlns:r="http://schemas.openxmlformats.org/officeDocument/2006/relationships" xmlns:p="http://schemas.openxmlformats.org/presentationml/2006/main">
   <p:cSld>
     <p:spTree>
@@ -19592,7 +20415,7 @@
           <p:cNvPr id="2" name="标题 1">
             <a:extLst>
               <a:ext uri="{FF2B5EF4-FFF2-40B4-BE49-F238E27FC236}">
-                <a16:creationId xmlns:a16="http://schemas.microsoft.com/office/drawing/2014/main" id="{AB685034-5D67-4504-A0DB-638EF593140C}"/>
+                <a16:creationId xmlns:a16="http://schemas.microsoft.com/office/drawing/2014/main" id="{7A6052B9-06C2-47DD-9452-807452ED2605}"/>
               </a:ext>
             </a:extLst>
           </p:cNvPr>
@@ -19608,7 +20431,14 @@
           <a:bodyPr/>
           <a:lstStyle/>
           <a:p>
-            <a:endParaRPr lang="zh-CN" altLang="en-US"/>
+            <a:r>
+              <a:rPr lang="zh-CN" altLang="zh-CN" dirty="0"/>
+              <a:t>因果图法</a:t>
+            </a:r>
+            <a:br>
+              <a:rPr lang="zh-CN" altLang="zh-CN" b="1" dirty="0"/>
+            </a:br>
+            <a:endParaRPr lang="zh-CN" altLang="en-US" dirty="0"/>
           </a:p>
         </p:txBody>
       </p:sp>
@@ -19617,7 +20447,263 @@
           <p:cNvPr id="3" name="内容占位符 2">
             <a:extLst>
               <a:ext uri="{FF2B5EF4-FFF2-40B4-BE49-F238E27FC236}">
-                <a16:creationId xmlns:a16="http://schemas.microsoft.com/office/drawing/2014/main" id="{7A09B954-F6C9-400F-B526-ACF5898269DE}"/>
+                <a16:creationId xmlns:a16="http://schemas.microsoft.com/office/drawing/2014/main" id="{717DD2CA-A5C1-48CE-A3E7-6E897E0F7FD3}"/>
+              </a:ext>
+            </a:extLst>
+          </p:cNvPr>
+          <p:cNvSpPr>
+            <a:spLocks noGrp="1"/>
+          </p:cNvSpPr>
+          <p:nvPr>
+            <p:ph idx="1"/>
+          </p:nvPr>
+        </p:nvSpPr>
+        <p:spPr>
+          <a:xfrm>
+            <a:off x="477624" y="930898"/>
+            <a:ext cx="10972800" cy="4525963"/>
+          </a:xfrm>
+        </p:spPr>
+        <p:txBody>
+          <a:bodyPr/>
+          <a:lstStyle/>
+          <a:p>
+            <a:r>
+              <a:rPr lang="zh-CN" altLang="en-US" dirty="0"/>
+              <a:t>前面介绍的等价类划分方法和边界值分析方法，都是着重考虑输入条件，但未考虑输入条件之间的联系，相互组合等。 考虑输入条件之间的相互组合，可能会产生一些新的情况</a:t>
+            </a:r>
+            <a:r>
+              <a:rPr lang="en-US" altLang="zh-CN" dirty="0"/>
+              <a:t>. </a:t>
+            </a:r>
+            <a:r>
+              <a:rPr lang="zh-CN" altLang="en-US" dirty="0"/>
+              <a:t>但要检查输入条件的组合不是一件容易的事情，即使把所有输入条件划分成等价类，他们之间的组合情况也相当多</a:t>
+            </a:r>
+            <a:r>
+              <a:rPr lang="en-US" altLang="zh-CN" dirty="0"/>
+              <a:t>. </a:t>
+            </a:r>
+            <a:r>
+              <a:rPr lang="zh-CN" altLang="en-US" dirty="0"/>
+              <a:t>因此必须考虑采用一种适合于描述对于多种条件的组合，相应产生多个动作的形式来考虑设计测试用例</a:t>
+            </a:r>
+            <a:r>
+              <a:rPr lang="en-US" altLang="zh-CN" dirty="0"/>
+              <a:t>. </a:t>
+            </a:r>
+            <a:r>
+              <a:rPr lang="zh-CN" altLang="en-US" dirty="0"/>
+              <a:t>这就需要利用因果图（逻辑模型）。</a:t>
+            </a:r>
+          </a:p>
+          <a:p>
+            <a:r>
+              <a:rPr lang="zh-CN" altLang="en-US" dirty="0"/>
+              <a:t>因果图方法最终生成的就是判定表。它适合于检查程序输入条件的各种组合情况。</a:t>
+            </a:r>
+          </a:p>
+          <a:p>
+            <a:r>
+              <a:rPr lang="zh-CN" altLang="en-US" dirty="0"/>
+              <a:t>生成测试用例</a:t>
+            </a:r>
+          </a:p>
+          <a:p>
+            <a:r>
+              <a:rPr lang="zh-CN" altLang="en-US" dirty="0"/>
+              <a:t>（</a:t>
+            </a:r>
+            <a:r>
+              <a:rPr lang="en-US" altLang="zh-CN" dirty="0"/>
+              <a:t>1) </a:t>
+            </a:r>
+            <a:r>
+              <a:rPr lang="zh-CN" altLang="en-US" dirty="0"/>
+              <a:t>分析软件规格说明描述中，哪些是原因（即输入条件或输入条件的等价类），哪些是结果（即输出条件），并给每个原因和结果赋予一个标识符。</a:t>
+            </a:r>
+          </a:p>
+          <a:p>
+            <a:r>
+              <a:rPr lang="en-US" altLang="zh-CN" dirty="0"/>
+              <a:t>(2) </a:t>
+            </a:r>
+            <a:r>
+              <a:rPr lang="zh-CN" altLang="en-US" dirty="0"/>
+              <a:t>分析软件规格说明描述中的语义。找出原因与结果之间，原因与原因之间对应的关系</a:t>
+            </a:r>
+            <a:r>
+              <a:rPr lang="en-US" altLang="zh-CN" dirty="0"/>
+              <a:t>. </a:t>
+            </a:r>
+            <a:r>
+              <a:rPr lang="zh-CN" altLang="en-US" dirty="0"/>
+              <a:t>根据这些关系，画出因果图。</a:t>
+            </a:r>
+          </a:p>
+          <a:p>
+            <a:r>
+              <a:rPr lang="en-US" altLang="zh-CN" dirty="0"/>
+              <a:t>(3) </a:t>
+            </a:r>
+            <a:r>
+              <a:rPr lang="zh-CN" altLang="en-US" dirty="0"/>
+              <a:t>由于语法或环境限制，有些原因与原因之间，原因与结果之间的组合情况不可能出现</a:t>
+            </a:r>
+            <a:r>
+              <a:rPr lang="en-US" altLang="zh-CN" dirty="0"/>
+              <a:t>. </a:t>
+            </a:r>
+            <a:r>
+              <a:rPr lang="zh-CN" altLang="en-US" dirty="0"/>
+              <a:t>为表明这些特殊情况，在因果图上用一些记号标明约束或限制条件。</a:t>
+            </a:r>
+          </a:p>
+          <a:p>
+            <a:r>
+              <a:rPr lang="en-US" altLang="zh-CN" dirty="0"/>
+              <a:t>(4) </a:t>
+            </a:r>
+            <a:r>
+              <a:rPr lang="zh-CN" altLang="en-US" dirty="0"/>
+              <a:t>把因果图转换为判定表。</a:t>
+            </a:r>
+          </a:p>
+          <a:p>
+            <a:r>
+              <a:rPr lang="en-US" altLang="zh-CN" dirty="0"/>
+              <a:t>(5) </a:t>
+            </a:r>
+            <a:r>
+              <a:rPr lang="zh-CN" altLang="en-US" dirty="0"/>
+              <a:t>把判定表的每一列拿出来作为依据，设计测试用例。</a:t>
+            </a:r>
+          </a:p>
+          <a:p>
+            <a:r>
+              <a:rPr lang="zh-CN" altLang="en-US" dirty="0"/>
+              <a:t>从因果图生成的测试用例（局部，组合关系下的）包括了所有输入数据的取</a:t>
+            </a:r>
+            <a:r>
+              <a:rPr lang="en-US" altLang="zh-CN" dirty="0"/>
+              <a:t>TRUE</a:t>
+            </a:r>
+            <a:r>
+              <a:rPr lang="zh-CN" altLang="en-US" dirty="0"/>
+              <a:t>与取</a:t>
+            </a:r>
+            <a:r>
+              <a:rPr lang="en-US" altLang="zh-CN" dirty="0"/>
+              <a:t>FALSE</a:t>
+            </a:r>
+            <a:r>
+              <a:rPr lang="zh-CN" altLang="en-US" dirty="0"/>
+              <a:t>的情况，构成的测试用例数目达到最少，且测试用例数目随输入数据数目的增加而线性地增加。</a:t>
+            </a:r>
+          </a:p>
+          <a:p>
+            <a:r>
+              <a:rPr lang="zh-CN" altLang="en-US" dirty="0"/>
+              <a:t>前面因果图方法中已经用到了判定表。判定表（</a:t>
+            </a:r>
+            <a:r>
+              <a:rPr lang="en-US" altLang="zh-CN" dirty="0"/>
+              <a:t>Decision Table</a:t>
+            </a:r>
+            <a:r>
+              <a:rPr lang="zh-CN" altLang="en-US" dirty="0"/>
+              <a:t>）是分析和表达多逻辑条件下执行不同操作的情况下的工具</a:t>
+            </a:r>
+            <a:r>
+              <a:rPr lang="en-US" altLang="zh-CN" dirty="0"/>
+              <a:t>.</a:t>
+            </a:r>
+            <a:r>
+              <a:rPr lang="zh-CN" altLang="en-US" dirty="0"/>
+              <a:t>在程序设计发展的初期，判定表就已被当作编写程序的辅助工具了</a:t>
+            </a:r>
+            <a:r>
+              <a:rPr lang="en-US" altLang="zh-CN" dirty="0"/>
+              <a:t>.</a:t>
+            </a:r>
+            <a:r>
+              <a:rPr lang="zh-CN" altLang="en-US" dirty="0"/>
+              <a:t>由于它可以把复杂的逻辑关系和多种条件组合的情况表达得既具体又明确。</a:t>
+            </a:r>
+          </a:p>
+          <a:p>
+            <a:endParaRPr lang="zh-CN" altLang="en-US" dirty="0"/>
+          </a:p>
+        </p:txBody>
+      </p:sp>
+    </p:spTree>
+    <p:extLst>
+      <p:ext uri="{BB962C8B-B14F-4D97-AF65-F5344CB8AC3E}">
+        <p14:creationId xmlns:p14="http://schemas.microsoft.com/office/powerpoint/2010/main" val="3718290261"/>
+      </p:ext>
+    </p:extLst>
+  </p:cSld>
+  <p:clrMapOvr>
+    <a:masterClrMapping/>
+  </p:clrMapOvr>
+</p:sld>
+</file>
+
+<file path=ppt/slides/slide21.xml><?xml version="1.0" encoding="utf-8"?>
+<p:sld xmlns:a="http://schemas.openxmlformats.org/drawingml/2006/main" xmlns:r="http://schemas.openxmlformats.org/officeDocument/2006/relationships" xmlns:p="http://schemas.openxmlformats.org/presentationml/2006/main">
+  <p:cSld>
+    <p:spTree>
+      <p:nvGrpSpPr>
+        <p:cNvPr id="1" name=""/>
+        <p:cNvGrpSpPr/>
+        <p:nvPr/>
+      </p:nvGrpSpPr>
+      <p:grpSpPr>
+        <a:xfrm>
+          <a:off x="0" y="0"/>
+          <a:ext cx="0" cy="0"/>
+          <a:chOff x="0" y="0"/>
+          <a:chExt cx="0" cy="0"/>
+        </a:xfrm>
+      </p:grpSpPr>
+      <p:sp>
+        <p:nvSpPr>
+          <p:cNvPr id="2" name="标题 1">
+            <a:extLst>
+              <a:ext uri="{FF2B5EF4-FFF2-40B4-BE49-F238E27FC236}">
+                <a16:creationId xmlns:a16="http://schemas.microsoft.com/office/drawing/2014/main" id="{12A5FB9A-3F06-4EBF-9FF5-6259CEC5ED7C}"/>
+              </a:ext>
+            </a:extLst>
+          </p:cNvPr>
+          <p:cNvSpPr>
+            <a:spLocks noGrp="1"/>
+          </p:cNvSpPr>
+          <p:nvPr>
+            <p:ph type="title"/>
+          </p:nvPr>
+        </p:nvSpPr>
+        <p:spPr/>
+        <p:txBody>
+          <a:bodyPr/>
+          <a:lstStyle/>
+          <a:p>
+            <a:r>
+              <a:rPr lang="zh-CN" altLang="zh-CN" dirty="0"/>
+              <a:t>判定表组成法</a:t>
+            </a:r>
+            <a:br>
+              <a:rPr lang="zh-CN" altLang="zh-CN" b="1" dirty="0"/>
+            </a:br>
+            <a:endParaRPr lang="zh-CN" altLang="en-US" dirty="0"/>
+          </a:p>
+        </p:txBody>
+      </p:sp>
+      <p:sp>
+        <p:nvSpPr>
+          <p:cNvPr id="3" name="内容占位符 2">
+            <a:extLst>
+              <a:ext uri="{FF2B5EF4-FFF2-40B4-BE49-F238E27FC236}">
+                <a16:creationId xmlns:a16="http://schemas.microsoft.com/office/drawing/2014/main" id="{B59A7E89-3585-411C-BD70-EEA1D573DCCE}"/>
               </a:ext>
             </a:extLst>
           </p:cNvPr>
@@ -19633,394 +20719,280 @@
           <a:bodyPr/>
           <a:lstStyle/>
           <a:p>
-            <a:endParaRPr lang="zh-CN" altLang="en-US" dirty="0"/>
-          </a:p>
-        </p:txBody>
-      </p:sp>
-      <p:sp>
-        <p:nvSpPr>
-          <p:cNvPr id="4" name="矩形 3">
-            <a:extLst>
-              <a:ext uri="{FF2B5EF4-FFF2-40B4-BE49-F238E27FC236}">
-                <a16:creationId xmlns:a16="http://schemas.microsoft.com/office/drawing/2014/main" id="{34E22CF0-814C-491E-8B5D-5D36A8494199}"/>
-              </a:ext>
-            </a:extLst>
-          </p:cNvPr>
-          <p:cNvSpPr/>
-          <p:nvPr/>
-        </p:nvSpPr>
-        <p:spPr>
-          <a:xfrm>
-            <a:off x="3048000" y="1305342"/>
-            <a:ext cx="6096000" cy="4247317"/>
-          </a:xfrm>
-          <a:prstGeom prst="rect">
-            <a:avLst/>
-          </a:prstGeom>
-        </p:spPr>
-        <p:txBody>
-          <a:bodyPr>
-            <a:spAutoFit/>
-          </a:bodyPr>
-          <a:lstStyle/>
-          <a:p>
-            <a:r>
-              <a:rPr lang="zh-CN" altLang="zh-CN" dirty="0">
-                <a:latin typeface="Calibri" panose="020F0502020204030204" pitchFamily="34" charset="0"/>
-                <a:ea typeface="宋体" panose="02010600030101010101" pitchFamily="2" charset="-122"/>
-                <a:cs typeface="Times New Roman" panose="02020603050405020304" pitchFamily="18" charset="0"/>
-              </a:rPr>
-              <a:t>黑盒测试首先是程序通常的</a:t>
-            </a:r>
-            <a:r>
-              <a:rPr lang="zh-CN" altLang="zh-CN" dirty="0">
-                <a:solidFill>
-                  <a:srgbClr val="FF0000"/>
-                </a:solidFill>
-                <a:latin typeface="Calibri" panose="020F0502020204030204" pitchFamily="34" charset="0"/>
-                <a:ea typeface="宋体" panose="02010600030101010101" pitchFamily="2" charset="-122"/>
-                <a:cs typeface="Times New Roman" panose="02020603050405020304" pitchFamily="18" charset="0"/>
-              </a:rPr>
-              <a:t>功能性测试</a:t>
-            </a:r>
-            <a:r>
-              <a:rPr lang="zh-CN" altLang="zh-CN" dirty="0">
-                <a:latin typeface="Calibri" panose="020F0502020204030204" pitchFamily="34" charset="0"/>
-                <a:ea typeface="宋体" panose="02010600030101010101" pitchFamily="2" charset="-122"/>
-                <a:cs typeface="Times New Roman" panose="02020603050405020304" pitchFamily="18" charset="0"/>
-              </a:rPr>
-              <a:t>。要求：</a:t>
-            </a:r>
-            <a:br>
-              <a:rPr lang="en-US" altLang="zh-CN" dirty="0">
-                <a:latin typeface="Calibri" panose="020F0502020204030204" pitchFamily="34" charset="0"/>
-                <a:ea typeface="宋体" panose="02010600030101010101" pitchFamily="2" charset="-122"/>
-                <a:cs typeface="Times New Roman" panose="02020603050405020304" pitchFamily="18" charset="0"/>
-              </a:rPr>
-            </a:br>
-            <a:r>
-              <a:rPr lang="en-US" altLang="zh-CN" dirty="0">
-                <a:latin typeface="Calibri" panose="020F0502020204030204" pitchFamily="34" charset="0"/>
-                <a:ea typeface="宋体" panose="02010600030101010101" pitchFamily="2" charset="-122"/>
-                <a:cs typeface="Times New Roman" panose="02020603050405020304" pitchFamily="18" charset="0"/>
-              </a:rPr>
-              <a:t>    </a:t>
-            </a:r>
-            <a:r>
-              <a:rPr lang="zh-CN" altLang="zh-CN" dirty="0">
-                <a:latin typeface="Calibri" panose="020F0502020204030204" pitchFamily="34" charset="0"/>
-                <a:ea typeface="宋体" panose="02010600030101010101" pitchFamily="2" charset="-122"/>
-                <a:cs typeface="Times New Roman" panose="02020603050405020304" pitchFamily="18" charset="0"/>
-              </a:rPr>
-              <a:t>每个</a:t>
+            <a:r>
+              <a:rPr lang="zh-CN" altLang="zh-CN" dirty="0"/>
+              <a:t>条件桩（</a:t>
+            </a:r>
+            <a:r>
+              <a:rPr lang="en-US" altLang="zh-CN" dirty="0"/>
+              <a:t>Condition Stub</a:t>
+            </a:r>
+            <a:r>
+              <a:rPr lang="zh-CN" altLang="zh-CN" dirty="0"/>
+              <a:t>）：列出了问题的所有条件</a:t>
+            </a:r>
+            <a:r>
+              <a:rPr lang="en-US" altLang="zh-CN" dirty="0"/>
+              <a:t>.</a:t>
+            </a:r>
+            <a:r>
+              <a:rPr lang="zh-CN" altLang="zh-CN" dirty="0"/>
+              <a:t>通常认为列出的条件的次序无关紧要。</a:t>
+            </a:r>
+          </a:p>
+          <a:p>
+            <a:r>
+              <a:rPr lang="zh-CN" altLang="zh-CN" dirty="0"/>
+              <a:t>动作桩（</a:t>
+            </a:r>
+            <a:r>
+              <a:rPr lang="en-US" altLang="zh-CN" dirty="0"/>
+              <a:t>Action Stub</a:t>
+            </a:r>
+            <a:r>
+              <a:rPr lang="zh-CN" altLang="zh-CN" dirty="0"/>
+              <a:t>）：列出了问题规定可能采取的操作</a:t>
+            </a:r>
+            <a:r>
+              <a:rPr lang="en-US" altLang="zh-CN" dirty="0"/>
+              <a:t>.</a:t>
+            </a:r>
+            <a:r>
+              <a:rPr lang="zh-CN" altLang="zh-CN" dirty="0"/>
+              <a:t>这些操作的排列顺序没有约束。</a:t>
+            </a:r>
+          </a:p>
+          <a:p>
+            <a:r>
+              <a:rPr lang="zh-CN" altLang="zh-CN" dirty="0"/>
+              <a:t>条件项（</a:t>
+            </a:r>
+            <a:r>
+              <a:rPr lang="en-US" altLang="zh-CN" dirty="0"/>
+              <a:t>Condition Entry</a:t>
+            </a:r>
+            <a:r>
+              <a:rPr lang="zh-CN" altLang="zh-CN" dirty="0"/>
+              <a:t>）：列出针对它左列条件的取值</a:t>
+            </a:r>
+            <a:r>
+              <a:rPr lang="en-US" altLang="zh-CN" dirty="0"/>
+              <a:t>.</a:t>
+            </a:r>
+            <a:r>
+              <a:rPr lang="zh-CN" altLang="zh-CN" dirty="0"/>
+              <a:t>在所有可能情况下的真假值。</a:t>
+            </a:r>
+          </a:p>
+          <a:p>
+            <a:r>
+              <a:rPr lang="zh-CN" altLang="zh-CN" dirty="0"/>
+              <a:t>动作项（</a:t>
+            </a:r>
+            <a:r>
+              <a:rPr lang="en-US" altLang="zh-CN" dirty="0"/>
+              <a:t>Action Entry</a:t>
+            </a:r>
+            <a:r>
+              <a:rPr lang="zh-CN" altLang="zh-CN" dirty="0"/>
+              <a:t>）：列出在条件项的各种取值情况下应该采取的动作。</a:t>
+            </a:r>
+          </a:p>
+          <a:p>
+            <a:r>
+              <a:rPr lang="zh-CN" altLang="zh-CN" dirty="0"/>
+              <a:t>规则：任何一个条件组合的特定取值及其相应要执行的操作</a:t>
+            </a:r>
+            <a:r>
+              <a:rPr lang="en-US" altLang="zh-CN" dirty="0"/>
+              <a:t>.</a:t>
+            </a:r>
+            <a:r>
+              <a:rPr lang="zh-CN" altLang="zh-CN" dirty="0"/>
+              <a:t>在</a:t>
             </a:r>
             <a:r>
               <a:rPr lang="en-US" altLang="zh-CN" u="sng" dirty="0" err="1">
-                <a:solidFill>
-                  <a:srgbClr val="000000"/>
-                </a:solidFill>
-                <a:latin typeface="宋体" panose="02010600030101010101" pitchFamily="2" charset="-122"/>
-                <a:ea typeface="宋体" panose="02010600030101010101" pitchFamily="2" charset="-122"/>
-                <a:cs typeface="Times New Roman" panose="02020603050405020304" pitchFamily="18" charset="0"/>
-                <a:hlinkClick r:id="rId2" tooltip="软件"/>
-              </a:rPr>
-              <a:t>软件</a:t>
-            </a:r>
-            <a:r>
-              <a:rPr lang="zh-CN" altLang="zh-CN" dirty="0">
-                <a:latin typeface="Calibri" panose="020F0502020204030204" pitchFamily="34" charset="0"/>
-                <a:ea typeface="宋体" panose="02010600030101010101" pitchFamily="2" charset="-122"/>
-                <a:cs typeface="Times New Roman" panose="02020603050405020304" pitchFamily="18" charset="0"/>
-              </a:rPr>
-              <a:t>特性必须被一个测试用例或一个被认可的异常所覆盖；用数据类型和数据值的</a:t>
-            </a:r>
-            <a:r>
-              <a:rPr lang="zh-CN" altLang="zh-CN" dirty="0">
-                <a:solidFill>
-                  <a:srgbClr val="FF0000"/>
-                </a:solidFill>
-                <a:latin typeface="Calibri" panose="020F0502020204030204" pitchFamily="34" charset="0"/>
-                <a:ea typeface="宋体" panose="02010600030101010101" pitchFamily="2" charset="-122"/>
-                <a:cs typeface="Times New Roman" panose="02020603050405020304" pitchFamily="18" charset="0"/>
-              </a:rPr>
-              <a:t>最小</a:t>
-            </a:r>
-            <a:r>
-              <a:rPr lang="zh-CN" altLang="zh-CN" dirty="0">
-                <a:latin typeface="Calibri" panose="020F0502020204030204" pitchFamily="34" charset="0"/>
-                <a:ea typeface="宋体" panose="02010600030101010101" pitchFamily="2" charset="-122"/>
-                <a:cs typeface="Times New Roman" panose="02020603050405020304" pitchFamily="18" charset="0"/>
-              </a:rPr>
-              <a:t>集测试；用一系列真实的数据类型和数据值运行，测试超负荷、饱和及其他“最坏情况”的结果；用</a:t>
-            </a:r>
-            <a:r>
-              <a:rPr lang="zh-CN" altLang="zh-CN" dirty="0">
-                <a:solidFill>
-                  <a:srgbClr val="FF0000"/>
-                </a:solidFill>
-                <a:latin typeface="Calibri" panose="020F0502020204030204" pitchFamily="34" charset="0"/>
-                <a:ea typeface="宋体" panose="02010600030101010101" pitchFamily="2" charset="-122"/>
-                <a:cs typeface="Times New Roman" panose="02020603050405020304" pitchFamily="18" charset="0"/>
-              </a:rPr>
-              <a:t>假想的数据类型和数据值</a:t>
-            </a:r>
-            <a:r>
-              <a:rPr lang="zh-CN" altLang="zh-CN" dirty="0">
-                <a:latin typeface="Calibri" panose="020F0502020204030204" pitchFamily="34" charset="0"/>
-                <a:ea typeface="宋体" panose="02010600030101010101" pitchFamily="2" charset="-122"/>
-                <a:cs typeface="Times New Roman" panose="02020603050405020304" pitchFamily="18" charset="0"/>
-              </a:rPr>
-              <a:t>运行，测试排斥不规则输入的能力；对影响性能的关键模块，如基本算法、应测试单元性能</a:t>
-            </a:r>
-            <a:r>
-              <a:rPr lang="en-US" altLang="zh-CN" dirty="0">
-                <a:latin typeface="Calibri" panose="020F0502020204030204" pitchFamily="34" charset="0"/>
-                <a:ea typeface="宋体" panose="02010600030101010101" pitchFamily="2" charset="-122"/>
-                <a:cs typeface="Times New Roman" panose="02020603050405020304" pitchFamily="18" charset="0"/>
-              </a:rPr>
-              <a:t>(</a:t>
-            </a:r>
-            <a:r>
-              <a:rPr lang="zh-CN" altLang="zh-CN" dirty="0">
-                <a:latin typeface="Calibri" panose="020F0502020204030204" pitchFamily="34" charset="0"/>
-                <a:ea typeface="宋体" panose="02010600030101010101" pitchFamily="2" charset="-122"/>
-                <a:cs typeface="Times New Roman" panose="02020603050405020304" pitchFamily="18" charset="0"/>
-              </a:rPr>
-              <a:t>包括精度、时间、容量等</a:t>
-            </a:r>
-            <a:r>
-              <a:rPr lang="en-US" altLang="zh-CN" dirty="0">
-                <a:latin typeface="Calibri" panose="020F0502020204030204" pitchFamily="34" charset="0"/>
-                <a:ea typeface="宋体" panose="02010600030101010101" pitchFamily="2" charset="-122"/>
-                <a:cs typeface="Times New Roman" panose="02020603050405020304" pitchFamily="18" charset="0"/>
-              </a:rPr>
-              <a:t>)</a:t>
-            </a:r>
-            <a:r>
-              <a:rPr lang="zh-CN" altLang="zh-CN" dirty="0">
-                <a:latin typeface="Calibri" panose="020F0502020204030204" pitchFamily="34" charset="0"/>
-                <a:ea typeface="宋体" panose="02010600030101010101" pitchFamily="2" charset="-122"/>
-                <a:cs typeface="Times New Roman" panose="02020603050405020304" pitchFamily="18" charset="0"/>
-              </a:rPr>
-              <a:t>。</a:t>
-            </a:r>
-            <a:br>
-              <a:rPr lang="en-US" altLang="zh-CN" dirty="0">
-                <a:latin typeface="Calibri" panose="020F0502020204030204" pitchFamily="34" charset="0"/>
-                <a:ea typeface="宋体" panose="02010600030101010101" pitchFamily="2" charset="-122"/>
-                <a:cs typeface="Times New Roman" panose="02020603050405020304" pitchFamily="18" charset="0"/>
-              </a:rPr>
-            </a:br>
-            <a:r>
-              <a:rPr lang="en-US" altLang="zh-CN" dirty="0">
-                <a:latin typeface="Calibri" panose="020F0502020204030204" pitchFamily="34" charset="0"/>
-                <a:ea typeface="宋体" panose="02010600030101010101" pitchFamily="2" charset="-122"/>
-                <a:cs typeface="Times New Roman" panose="02020603050405020304" pitchFamily="18" charset="0"/>
-              </a:rPr>
-              <a:t>    </a:t>
-            </a:r>
-            <a:r>
-              <a:rPr lang="zh-CN" altLang="zh-CN" dirty="0">
-                <a:latin typeface="Calibri" panose="020F0502020204030204" pitchFamily="34" charset="0"/>
-                <a:ea typeface="宋体" panose="02010600030101010101" pitchFamily="2" charset="-122"/>
-                <a:cs typeface="Times New Roman" panose="02020603050405020304" pitchFamily="18" charset="0"/>
-              </a:rPr>
-              <a:t>不仅要考核“程序是否做了该做的</a:t>
-            </a:r>
-            <a:r>
-              <a:rPr lang="en-US" altLang="zh-CN" dirty="0">
-                <a:latin typeface="Calibri" panose="020F0502020204030204" pitchFamily="34" charset="0"/>
-                <a:ea typeface="宋体" panose="02010600030101010101" pitchFamily="2" charset="-122"/>
-                <a:cs typeface="Times New Roman" panose="02020603050405020304" pitchFamily="18" charset="0"/>
-              </a:rPr>
-              <a:t>?</a:t>
-            </a:r>
-            <a:r>
-              <a:rPr lang="zh-CN" altLang="zh-CN" dirty="0">
-                <a:latin typeface="Calibri" panose="020F0502020204030204" pitchFamily="34" charset="0"/>
-                <a:ea typeface="宋体" panose="02010600030101010101" pitchFamily="2" charset="-122"/>
-                <a:cs typeface="Times New Roman" panose="02020603050405020304" pitchFamily="18" charset="0"/>
-              </a:rPr>
-              <a:t>”还要考察“程序是否没做不该做的</a:t>
-            </a:r>
-            <a:r>
-              <a:rPr lang="en-US" altLang="zh-CN" dirty="0">
-                <a:latin typeface="Calibri" panose="020F0502020204030204" pitchFamily="34" charset="0"/>
-                <a:ea typeface="宋体" panose="02010600030101010101" pitchFamily="2" charset="-122"/>
-                <a:cs typeface="Times New Roman" panose="02020603050405020304" pitchFamily="18" charset="0"/>
-              </a:rPr>
-              <a:t>2</a:t>
-            </a:r>
-            <a:r>
-              <a:rPr lang="zh-CN" altLang="zh-CN" dirty="0">
-                <a:latin typeface="Calibri" panose="020F0502020204030204" pitchFamily="34" charset="0"/>
-                <a:ea typeface="宋体" panose="02010600030101010101" pitchFamily="2" charset="-122"/>
-                <a:cs typeface="Times New Roman" panose="02020603050405020304" pitchFamily="18" charset="0"/>
-              </a:rPr>
-              <a:t>”同时还要考察程序在其他一些情况下是否正常。这些情况包括数据类型和数据值的异常等等。下述几种方法：</a:t>
-            </a:r>
-            <a:r>
-              <a:rPr lang="en-US" altLang="zh-CN" dirty="0">
-                <a:solidFill>
-                  <a:srgbClr val="FF0000"/>
-                </a:solidFill>
-                <a:latin typeface="Calibri" panose="020F0502020204030204" pitchFamily="34" charset="0"/>
-                <a:ea typeface="宋体" panose="02010600030101010101" pitchFamily="2" charset="-122"/>
-                <a:cs typeface="Times New Roman" panose="02020603050405020304" pitchFamily="18" charset="0"/>
-              </a:rPr>
-              <a:t>(a)</a:t>
-            </a:r>
-            <a:r>
-              <a:rPr lang="zh-CN" altLang="zh-CN" dirty="0">
-                <a:solidFill>
-                  <a:srgbClr val="FF0000"/>
-                </a:solidFill>
-                <a:latin typeface="Calibri" panose="020F0502020204030204" pitchFamily="34" charset="0"/>
-                <a:ea typeface="宋体" panose="02010600030101010101" pitchFamily="2" charset="-122"/>
-                <a:cs typeface="Times New Roman" panose="02020603050405020304" pitchFamily="18" charset="0"/>
-              </a:rPr>
-              <a:t>等价类划分</a:t>
-            </a:r>
-            <a:r>
-              <a:rPr lang="zh-CN" altLang="zh-CN" dirty="0">
-                <a:solidFill>
-                  <a:srgbClr val="5B9BD5"/>
-                </a:solidFill>
-                <a:latin typeface="Calibri" panose="020F0502020204030204" pitchFamily="34" charset="0"/>
-                <a:ea typeface="宋体" panose="02010600030101010101" pitchFamily="2" charset="-122"/>
-                <a:cs typeface="Times New Roman" panose="02020603050405020304" pitchFamily="18" charset="0"/>
-              </a:rPr>
-              <a:t>，</a:t>
-            </a:r>
-            <a:r>
-              <a:rPr lang="en-US" altLang="zh-CN" dirty="0">
-                <a:solidFill>
-                  <a:srgbClr val="5B9BD5"/>
-                </a:solidFill>
-                <a:latin typeface="Calibri" panose="020F0502020204030204" pitchFamily="34" charset="0"/>
-                <a:ea typeface="宋体" panose="02010600030101010101" pitchFamily="2" charset="-122"/>
-                <a:cs typeface="Times New Roman" panose="02020603050405020304" pitchFamily="18" charset="0"/>
-              </a:rPr>
-              <a:t>(b)</a:t>
-            </a:r>
-            <a:r>
-              <a:rPr lang="zh-CN" altLang="zh-CN" dirty="0">
-                <a:solidFill>
-                  <a:srgbClr val="5B9BD5"/>
-                </a:solidFill>
-                <a:latin typeface="Calibri" panose="020F0502020204030204" pitchFamily="34" charset="0"/>
-                <a:ea typeface="宋体" panose="02010600030101010101" pitchFamily="2" charset="-122"/>
-                <a:cs typeface="Times New Roman" panose="02020603050405020304" pitchFamily="18" charset="0"/>
-              </a:rPr>
-              <a:t>因果图方法，</a:t>
-            </a:r>
-            <a:r>
-              <a:rPr lang="en-US" altLang="zh-CN" dirty="0">
-                <a:solidFill>
-                  <a:srgbClr val="FF0000"/>
-                </a:solidFill>
-                <a:latin typeface="Calibri" panose="020F0502020204030204" pitchFamily="34" charset="0"/>
-                <a:ea typeface="宋体" panose="02010600030101010101" pitchFamily="2" charset="-122"/>
-                <a:cs typeface="Times New Roman" panose="02020603050405020304" pitchFamily="18" charset="0"/>
-              </a:rPr>
-              <a:t>(c)</a:t>
-            </a:r>
-            <a:r>
-              <a:rPr lang="zh-CN" altLang="zh-CN" dirty="0">
-                <a:solidFill>
-                  <a:srgbClr val="FF0000"/>
-                </a:solidFill>
-                <a:latin typeface="Calibri" panose="020F0502020204030204" pitchFamily="34" charset="0"/>
-                <a:ea typeface="宋体" panose="02010600030101010101" pitchFamily="2" charset="-122"/>
-                <a:cs typeface="Times New Roman" panose="02020603050405020304" pitchFamily="18" charset="0"/>
-              </a:rPr>
-              <a:t>边值分析法</a:t>
-            </a:r>
-            <a:r>
-              <a:rPr lang="zh-CN" altLang="zh-CN" dirty="0">
-                <a:solidFill>
-                  <a:srgbClr val="5B9BD5"/>
-                </a:solidFill>
-                <a:latin typeface="Calibri" panose="020F0502020204030204" pitchFamily="34" charset="0"/>
-                <a:ea typeface="宋体" panose="02010600030101010101" pitchFamily="2" charset="-122"/>
-                <a:cs typeface="Times New Roman" panose="02020603050405020304" pitchFamily="18" charset="0"/>
-              </a:rPr>
-              <a:t>，</a:t>
-            </a:r>
-            <a:r>
-              <a:rPr lang="en-US" altLang="zh-CN" dirty="0">
-                <a:solidFill>
-                  <a:srgbClr val="FF0000"/>
-                </a:solidFill>
-                <a:latin typeface="Calibri" panose="020F0502020204030204" pitchFamily="34" charset="0"/>
-                <a:ea typeface="宋体" panose="02010600030101010101" pitchFamily="2" charset="-122"/>
-                <a:cs typeface="Times New Roman" panose="02020603050405020304" pitchFamily="18" charset="0"/>
-              </a:rPr>
-              <a:t>(d)</a:t>
-            </a:r>
-            <a:r>
-              <a:rPr lang="zh-CN" altLang="en-US" dirty="0">
-                <a:solidFill>
-                  <a:srgbClr val="FF0000"/>
-                </a:solidFill>
-                <a:latin typeface="Calibri" panose="020F0502020204030204" pitchFamily="34" charset="0"/>
-                <a:ea typeface="宋体" panose="02010600030101010101" pitchFamily="2" charset="-122"/>
-                <a:cs typeface="Times New Roman" panose="02020603050405020304" pitchFamily="18" charset="0"/>
-              </a:rPr>
-              <a:t>错误推测</a:t>
-            </a:r>
-            <a:r>
-              <a:rPr lang="zh-CN" altLang="zh-CN" dirty="0">
-                <a:solidFill>
-                  <a:srgbClr val="FF0000"/>
-                </a:solidFill>
-                <a:latin typeface="Calibri" panose="020F0502020204030204" pitchFamily="34" charset="0"/>
-                <a:ea typeface="宋体" panose="02010600030101010101" pitchFamily="2" charset="-122"/>
-                <a:cs typeface="Times New Roman" panose="02020603050405020304" pitchFamily="18" charset="0"/>
-              </a:rPr>
-              <a:t>法</a:t>
-            </a:r>
-            <a:r>
-              <a:rPr lang="zh-CN" altLang="zh-CN" dirty="0">
-                <a:solidFill>
-                  <a:srgbClr val="5B9BD5"/>
-                </a:solidFill>
-                <a:latin typeface="Calibri" panose="020F0502020204030204" pitchFamily="34" charset="0"/>
-                <a:ea typeface="宋体" panose="02010600030101010101" pitchFamily="2" charset="-122"/>
-                <a:cs typeface="Times New Roman" panose="02020603050405020304" pitchFamily="18" charset="0"/>
-              </a:rPr>
-              <a:t>，</a:t>
-            </a:r>
-            <a:r>
-              <a:rPr lang="en-US" altLang="zh-CN" dirty="0">
-                <a:solidFill>
-                  <a:srgbClr val="5B9BD5"/>
-                </a:solidFill>
-                <a:latin typeface="Calibri" panose="020F0502020204030204" pitchFamily="34" charset="0"/>
-                <a:ea typeface="宋体" panose="02010600030101010101" pitchFamily="2" charset="-122"/>
-                <a:cs typeface="Times New Roman" panose="02020603050405020304" pitchFamily="18" charset="0"/>
-              </a:rPr>
-              <a:t>(e)</a:t>
-            </a:r>
-            <a:r>
-              <a:rPr lang="zh-CN" altLang="zh-CN" dirty="0">
-                <a:solidFill>
-                  <a:srgbClr val="5B9BD5"/>
-                </a:solidFill>
-                <a:latin typeface="Calibri" panose="020F0502020204030204" pitchFamily="34" charset="0"/>
-                <a:ea typeface="宋体" panose="02010600030101010101" pitchFamily="2" charset="-122"/>
-                <a:cs typeface="Times New Roman" panose="02020603050405020304" pitchFamily="18" charset="0"/>
-              </a:rPr>
-              <a:t>随机数法</a:t>
-            </a:r>
-            <a:r>
-              <a:rPr lang="zh-CN" altLang="zh-CN" dirty="0">
-                <a:latin typeface="Calibri" panose="020F0502020204030204" pitchFamily="34" charset="0"/>
-                <a:ea typeface="宋体" panose="02010600030101010101" pitchFamily="2" charset="-122"/>
-                <a:cs typeface="Times New Roman" panose="02020603050405020304" pitchFamily="18" charset="0"/>
-              </a:rPr>
-              <a:t>，就是从更广泛的角度来进行黑盒测试。每一个方法都力图能涵盖更多的“任何情况”，但又各有长处，综合使用这些方法，会得到一个较好的测试用例集。</a:t>
-            </a:r>
+                <a:hlinkClick r:id="rId2"/>
+              </a:rPr>
+              <a:t>判定表</a:t>
+            </a:r>
+            <a:r>
+              <a:rPr lang="zh-CN" altLang="zh-CN" dirty="0"/>
+              <a:t>中贯穿条件项和动作项的一列就是一条规则</a:t>
+            </a:r>
+            <a:r>
+              <a:rPr lang="en-US" altLang="zh-CN" dirty="0"/>
+              <a:t>.</a:t>
+            </a:r>
+            <a:r>
+              <a:rPr lang="zh-CN" altLang="zh-CN" dirty="0"/>
+              <a:t>显然，判定表中列出多少组条件取值，也就有多少条规则，既条件项和动作项有多少列。</a:t>
+            </a:r>
+          </a:p>
+          <a:p>
+            <a:r>
+              <a:rPr lang="zh-CN" altLang="zh-CN" dirty="0"/>
+              <a:t>判定表的建立步骤</a:t>
+            </a:r>
+          </a:p>
+          <a:p>
+            <a:r>
+              <a:rPr lang="zh-CN" altLang="zh-CN" dirty="0"/>
+              <a:t>①确定规则的个数。假如有</a:t>
+            </a:r>
+            <a:r>
+              <a:rPr lang="en-US" altLang="zh-CN" dirty="0"/>
+              <a:t>n</a:t>
+            </a:r>
+            <a:r>
+              <a:rPr lang="zh-CN" altLang="zh-CN" dirty="0"/>
+              <a:t>个条件</a:t>
+            </a:r>
+            <a:r>
+              <a:rPr lang="en-US" altLang="zh-CN" dirty="0"/>
+              <a:t>.</a:t>
+            </a:r>
+            <a:r>
+              <a:rPr lang="zh-CN" altLang="zh-CN" dirty="0"/>
+              <a:t>每个条件有两个取值（</a:t>
+            </a:r>
+            <a:r>
+              <a:rPr lang="en-US" altLang="zh-CN" dirty="0"/>
+              <a:t>0,1</a:t>
+            </a:r>
+            <a:r>
+              <a:rPr lang="zh-CN" altLang="zh-CN" dirty="0"/>
+              <a:t>），故有</a:t>
+            </a:r>
+            <a:r>
+              <a:rPr lang="en-US" altLang="zh-CN" dirty="0"/>
+              <a:t>2n</a:t>
+            </a:r>
+            <a:r>
+              <a:rPr lang="zh-CN" altLang="zh-CN" dirty="0"/>
+              <a:t>种规则。</a:t>
+            </a:r>
+          </a:p>
+          <a:p>
+            <a:r>
+              <a:rPr lang="zh-CN" altLang="zh-CN" dirty="0"/>
+              <a:t>②列出所有的条件桩和动作桩。</a:t>
+            </a:r>
+          </a:p>
+          <a:p>
+            <a:r>
+              <a:rPr lang="zh-CN" altLang="zh-CN" dirty="0"/>
+              <a:t>③填入条件项。</a:t>
+            </a:r>
+          </a:p>
+          <a:p>
+            <a:r>
+              <a:rPr lang="zh-CN" altLang="zh-CN" dirty="0"/>
+              <a:t>④填入动作项</a:t>
+            </a:r>
+            <a:r>
+              <a:rPr lang="en-US" altLang="zh-CN" dirty="0"/>
+              <a:t>.</a:t>
+            </a:r>
+            <a:r>
+              <a:rPr lang="zh-CN" altLang="zh-CN" dirty="0"/>
+              <a:t>等到初始判定表。</a:t>
+            </a:r>
+          </a:p>
+          <a:p>
+            <a:r>
+              <a:rPr lang="zh-CN" altLang="zh-CN" dirty="0"/>
+              <a:t>⑤简化</a:t>
+            </a:r>
+            <a:r>
+              <a:rPr lang="en-US" altLang="zh-CN" dirty="0"/>
+              <a:t>.</a:t>
+            </a:r>
+            <a:r>
+              <a:rPr lang="zh-CN" altLang="zh-CN" dirty="0"/>
+              <a:t>合并相似规则（相同动作）。</a:t>
+            </a:r>
+          </a:p>
+          <a:p>
+            <a:r>
+              <a:rPr lang="en-US" altLang="zh-CN" dirty="0"/>
+              <a:t>B. </a:t>
+            </a:r>
+            <a:r>
+              <a:rPr lang="en-US" altLang="zh-CN" dirty="0" err="1"/>
+              <a:t>Beizer</a:t>
+            </a:r>
+            <a:r>
+              <a:rPr lang="en-US" altLang="zh-CN" dirty="0"/>
+              <a:t> </a:t>
+            </a:r>
+            <a:r>
+              <a:rPr lang="zh-CN" altLang="zh-CN" dirty="0"/>
+              <a:t>指出了适合使用</a:t>
+            </a:r>
+            <a:r>
+              <a:rPr lang="en-US" altLang="zh-CN" u="sng" dirty="0" err="1">
+                <a:hlinkClick r:id="rId2"/>
+              </a:rPr>
+              <a:t>判定表</a:t>
+            </a:r>
+            <a:r>
+              <a:rPr lang="zh-CN" altLang="zh-CN" dirty="0"/>
+              <a:t>设计</a:t>
+            </a:r>
+            <a:r>
+              <a:rPr lang="en-US" altLang="zh-CN" u="sng" dirty="0" err="1">
+                <a:hlinkClick r:id="rId3"/>
+              </a:rPr>
+              <a:t>测试用例</a:t>
+            </a:r>
+            <a:r>
+              <a:rPr lang="zh-CN" altLang="zh-CN" dirty="0"/>
+              <a:t>的条件：</a:t>
+            </a:r>
+          </a:p>
+          <a:p>
+            <a:r>
+              <a:rPr lang="zh-CN" altLang="zh-CN" dirty="0"/>
+              <a:t>①规格说明以</a:t>
+            </a:r>
+            <a:r>
+              <a:rPr lang="en-US" altLang="zh-CN" u="sng" dirty="0" err="1">
+                <a:hlinkClick r:id="rId2"/>
+              </a:rPr>
+              <a:t>判定表</a:t>
+            </a:r>
+            <a:r>
+              <a:rPr lang="zh-CN" altLang="zh-CN" dirty="0"/>
+              <a:t>形式给出，或很容易转换成判定表。</a:t>
+            </a:r>
+          </a:p>
+          <a:p>
+            <a:r>
+              <a:rPr lang="zh-CN" altLang="zh-CN" dirty="0"/>
+              <a:t>②条件的排列顺序不会也不影响执行哪些操作。</a:t>
+            </a:r>
+          </a:p>
+          <a:p>
+            <a:r>
+              <a:rPr lang="zh-CN" altLang="zh-CN" dirty="0"/>
+              <a:t>③规则的排列顺序不会也不影响执行哪些操作。</a:t>
+            </a:r>
+          </a:p>
+          <a:p>
+            <a:r>
+              <a:rPr lang="zh-CN" altLang="zh-CN" dirty="0"/>
+              <a:t>④每当某一规则的条件已经满足，并确定要执行的操作后，不必检验别的规则。</a:t>
+            </a:r>
+          </a:p>
+          <a:p>
+            <a:r>
+              <a:rPr lang="zh-CN" altLang="zh-CN" dirty="0"/>
+              <a:t>⑤如果某一规则得到满足要执行多个操作，这些操作的执行顺序无关紧要。</a:t>
+            </a:r>
+          </a:p>
+          <a:p>
             <a:endParaRPr lang="zh-CN" altLang="en-US" dirty="0"/>
           </a:p>
         </p:txBody>
@@ -20028,7 +21000,1234 @@
     </p:spTree>
     <p:extLst>
       <p:ext uri="{BB962C8B-B14F-4D97-AF65-F5344CB8AC3E}">
-        <p14:creationId xmlns:p14="http://schemas.microsoft.com/office/powerpoint/2010/main" val="2717024518"/>
+        <p14:creationId xmlns:p14="http://schemas.microsoft.com/office/powerpoint/2010/main" val="1617214721"/>
+      </p:ext>
+    </p:extLst>
+  </p:cSld>
+  <p:clrMapOvr>
+    <a:masterClrMapping/>
+  </p:clrMapOvr>
+</p:sld>
+</file>
+
+<file path=ppt/slides/slide22.xml><?xml version="1.0" encoding="utf-8"?>
+<p:sld xmlns:a="http://schemas.openxmlformats.org/drawingml/2006/main" xmlns:r="http://schemas.openxmlformats.org/officeDocument/2006/relationships" xmlns:p="http://schemas.openxmlformats.org/presentationml/2006/main">
+  <p:cSld>
+    <p:spTree>
+      <p:nvGrpSpPr>
+        <p:cNvPr id="1" name=""/>
+        <p:cNvGrpSpPr/>
+        <p:nvPr/>
+      </p:nvGrpSpPr>
+      <p:grpSpPr>
+        <a:xfrm>
+          <a:off x="0" y="0"/>
+          <a:ext cx="0" cy="0"/>
+          <a:chOff x="0" y="0"/>
+          <a:chExt cx="0" cy="0"/>
+        </a:xfrm>
+      </p:grpSpPr>
+      <p:sp>
+        <p:nvSpPr>
+          <p:cNvPr id="2" name="标题 1">
+            <a:extLst>
+              <a:ext uri="{FF2B5EF4-FFF2-40B4-BE49-F238E27FC236}">
+                <a16:creationId xmlns:a16="http://schemas.microsoft.com/office/drawing/2014/main" id="{44F8462C-2FC0-4B44-8C20-A0103F1E4776}"/>
+              </a:ext>
+            </a:extLst>
+          </p:cNvPr>
+          <p:cNvSpPr>
+            <a:spLocks noGrp="1"/>
+          </p:cNvSpPr>
+          <p:nvPr>
+            <p:ph type="title"/>
+          </p:nvPr>
+        </p:nvSpPr>
+        <p:spPr/>
+        <p:txBody>
+          <a:bodyPr/>
+          <a:lstStyle/>
+          <a:p>
+            <a:r>
+              <a:rPr lang="zh-CN" altLang="zh-CN" dirty="0"/>
+              <a:t>随机数法</a:t>
+            </a:r>
+            <a:endParaRPr lang="zh-CN" altLang="en-US" dirty="0"/>
+          </a:p>
+        </p:txBody>
+      </p:sp>
+      <p:sp>
+        <p:nvSpPr>
+          <p:cNvPr id="3" name="内容占位符 2">
+            <a:extLst>
+              <a:ext uri="{FF2B5EF4-FFF2-40B4-BE49-F238E27FC236}">
+                <a16:creationId xmlns:a16="http://schemas.microsoft.com/office/drawing/2014/main" id="{880358DB-C0BC-4D81-A41B-AAE12A4BBC9E}"/>
+              </a:ext>
+            </a:extLst>
+          </p:cNvPr>
+          <p:cNvSpPr>
+            <a:spLocks noGrp="1"/>
+          </p:cNvSpPr>
+          <p:nvPr>
+            <p:ph idx="1"/>
+          </p:nvPr>
+        </p:nvSpPr>
+        <p:spPr/>
+        <p:txBody>
+          <a:bodyPr/>
+          <a:lstStyle/>
+          <a:p>
+            <a:r>
+              <a:rPr lang="zh-CN" altLang="zh-CN" dirty="0"/>
+              <a:t> 即测试用例的参数是随机数。它可以自动生成，因此自动化程度高。使用大量随机测试用例测试通过的程序会提高用户对程序的信心。但其关键在于随机数的规律是否符合使用实际。</a:t>
+            </a:r>
+            <a:endParaRPr lang="zh-CN" altLang="en-US" dirty="0"/>
+          </a:p>
+        </p:txBody>
+      </p:sp>
+    </p:spTree>
+    <p:extLst>
+      <p:ext uri="{BB962C8B-B14F-4D97-AF65-F5344CB8AC3E}">
+        <p14:creationId xmlns:p14="http://schemas.microsoft.com/office/powerpoint/2010/main" val="2565853218"/>
+      </p:ext>
+    </p:extLst>
+  </p:cSld>
+  <p:clrMapOvr>
+    <a:masterClrMapping/>
+  </p:clrMapOvr>
+</p:sld>
+</file>
+
+<file path=ppt/slides/slide23.xml><?xml version="1.0" encoding="utf-8"?>
+<p:sld xmlns:a="http://schemas.openxmlformats.org/drawingml/2006/main" xmlns:r="http://schemas.openxmlformats.org/officeDocument/2006/relationships" xmlns:p="http://schemas.openxmlformats.org/presentationml/2006/main">
+  <p:cSld>
+    <p:spTree>
+      <p:nvGrpSpPr>
+        <p:cNvPr id="1" name=""/>
+        <p:cNvGrpSpPr/>
+        <p:nvPr/>
+      </p:nvGrpSpPr>
+      <p:grpSpPr>
+        <a:xfrm>
+          <a:off x="0" y="0"/>
+          <a:ext cx="0" cy="0"/>
+          <a:chOff x="0" y="0"/>
+          <a:chExt cx="0" cy="0"/>
+        </a:xfrm>
+      </p:grpSpPr>
+      <p:sp>
+        <p:nvSpPr>
+          <p:cNvPr id="2" name="标题 1">
+            <a:extLst>
+              <a:ext uri="{FF2B5EF4-FFF2-40B4-BE49-F238E27FC236}">
+                <a16:creationId xmlns:a16="http://schemas.microsoft.com/office/drawing/2014/main" id="{77C63943-3242-4FA8-B258-5C4D974AEB47}"/>
+              </a:ext>
+            </a:extLst>
+          </p:cNvPr>
+          <p:cNvSpPr>
+            <a:spLocks noGrp="1"/>
+          </p:cNvSpPr>
+          <p:nvPr>
+            <p:ph type="title"/>
+          </p:nvPr>
+        </p:nvSpPr>
+        <p:spPr/>
+        <p:txBody>
+          <a:bodyPr/>
+          <a:lstStyle/>
+          <a:p>
+            <a:r>
+              <a:rPr lang="zh-CN" altLang="zh-CN" dirty="0"/>
+              <a:t>正交试验设计</a:t>
+            </a:r>
+            <a:br>
+              <a:rPr lang="zh-CN" altLang="zh-CN" b="1" dirty="0"/>
+            </a:br>
+            <a:endParaRPr lang="zh-CN" altLang="en-US" dirty="0"/>
+          </a:p>
+        </p:txBody>
+      </p:sp>
+      <p:sp>
+        <p:nvSpPr>
+          <p:cNvPr id="3" name="内容占位符 2">
+            <a:extLst>
+              <a:ext uri="{FF2B5EF4-FFF2-40B4-BE49-F238E27FC236}">
+                <a16:creationId xmlns:a16="http://schemas.microsoft.com/office/drawing/2014/main" id="{82C4E66D-E8E8-4B06-8695-8ED11FABFD74}"/>
+              </a:ext>
+            </a:extLst>
+          </p:cNvPr>
+          <p:cNvSpPr>
+            <a:spLocks noGrp="1"/>
+          </p:cNvSpPr>
+          <p:nvPr>
+            <p:ph idx="1"/>
+          </p:nvPr>
+        </p:nvSpPr>
+        <p:spPr/>
+        <p:txBody>
+          <a:bodyPr/>
+          <a:lstStyle/>
+          <a:p>
+            <a:r>
+              <a:rPr lang="zh-CN" altLang="zh-CN" dirty="0"/>
+              <a:t>就是使用已经造好了的正交</a:t>
+            </a:r>
+            <a:r>
+              <a:rPr lang="en-US" altLang="zh-CN" u="sng" dirty="0" err="1">
+                <a:hlinkClick r:id="rId2"/>
+              </a:rPr>
+              <a:t>表格</a:t>
+            </a:r>
+            <a:r>
+              <a:rPr lang="zh-CN" altLang="zh-CN" dirty="0"/>
+              <a:t>来安排试验并进行数据分析的一种方法，目的是用最少的</a:t>
+            </a:r>
+            <a:r>
+              <a:rPr lang="en-US" altLang="zh-CN" u="sng" dirty="0" err="1">
+                <a:hlinkClick r:id="rId3"/>
+              </a:rPr>
+              <a:t>测试用例</a:t>
+            </a:r>
+            <a:r>
+              <a:rPr lang="zh-CN" altLang="zh-CN" dirty="0"/>
+              <a:t>达到最高的测试覆盖率。</a:t>
+            </a:r>
+          </a:p>
+          <a:p>
+            <a:endParaRPr lang="zh-CN" altLang="en-US" dirty="0"/>
+          </a:p>
+        </p:txBody>
+      </p:sp>
+    </p:spTree>
+    <p:extLst>
+      <p:ext uri="{BB962C8B-B14F-4D97-AF65-F5344CB8AC3E}">
+        <p14:creationId xmlns:p14="http://schemas.microsoft.com/office/powerpoint/2010/main" val="832862614"/>
+      </p:ext>
+    </p:extLst>
+  </p:cSld>
+  <p:clrMapOvr>
+    <a:masterClrMapping/>
+  </p:clrMapOvr>
+</p:sld>
+</file>
+
+<file path=ppt/slides/slide24.xml><?xml version="1.0" encoding="utf-8"?>
+<p:sld xmlns:a="http://schemas.openxmlformats.org/drawingml/2006/main" xmlns:r="http://schemas.openxmlformats.org/officeDocument/2006/relationships" xmlns:p="http://schemas.openxmlformats.org/presentationml/2006/main">
+  <p:cSld>
+    <p:spTree>
+      <p:nvGrpSpPr>
+        <p:cNvPr id="1" name=""/>
+        <p:cNvGrpSpPr/>
+        <p:nvPr/>
+      </p:nvGrpSpPr>
+      <p:grpSpPr>
+        <a:xfrm>
+          <a:off x="0" y="0"/>
+          <a:ext cx="0" cy="0"/>
+          <a:chOff x="0" y="0"/>
+          <a:chExt cx="0" cy="0"/>
+        </a:xfrm>
+      </p:grpSpPr>
+      <p:sp>
+        <p:nvSpPr>
+          <p:cNvPr id="2" name="标题 1">
+            <a:extLst>
+              <a:ext uri="{FF2B5EF4-FFF2-40B4-BE49-F238E27FC236}">
+                <a16:creationId xmlns:a16="http://schemas.microsoft.com/office/drawing/2014/main" id="{44CB7419-A1D1-4616-854D-F13C43795009}"/>
+              </a:ext>
+            </a:extLst>
+          </p:cNvPr>
+          <p:cNvSpPr>
+            <a:spLocks noGrp="1"/>
+          </p:cNvSpPr>
+          <p:nvPr>
+            <p:ph type="title"/>
+          </p:nvPr>
+        </p:nvSpPr>
+        <p:spPr/>
+        <p:txBody>
+          <a:bodyPr/>
+          <a:lstStyle/>
+          <a:p>
+            <a:r>
+              <a:rPr lang="zh-CN" altLang="zh-CN" dirty="0"/>
+              <a:t>场景法</a:t>
+            </a:r>
+            <a:br>
+              <a:rPr lang="zh-CN" altLang="zh-CN" b="1" dirty="0"/>
+            </a:br>
+            <a:endParaRPr lang="zh-CN" altLang="en-US" dirty="0"/>
+          </a:p>
+        </p:txBody>
+      </p:sp>
+      <p:sp>
+        <p:nvSpPr>
+          <p:cNvPr id="3" name="内容占位符 2">
+            <a:extLst>
+              <a:ext uri="{FF2B5EF4-FFF2-40B4-BE49-F238E27FC236}">
+                <a16:creationId xmlns:a16="http://schemas.microsoft.com/office/drawing/2014/main" id="{281CF20E-BFC4-4ECB-9662-E72921CECF0E}"/>
+              </a:ext>
+            </a:extLst>
+          </p:cNvPr>
+          <p:cNvSpPr>
+            <a:spLocks noGrp="1"/>
+          </p:cNvSpPr>
+          <p:nvPr>
+            <p:ph idx="1"/>
+          </p:nvPr>
+        </p:nvSpPr>
+        <p:spPr>
+          <a:xfrm>
+            <a:off x="1144622" y="3176082"/>
+            <a:ext cx="10972800" cy="4525963"/>
+          </a:xfrm>
+        </p:spPr>
+        <p:txBody>
+          <a:bodyPr/>
+          <a:lstStyle/>
+          <a:p>
+            <a:endParaRPr lang="zh-CN" altLang="en-US" dirty="0"/>
+          </a:p>
+        </p:txBody>
+      </p:sp>
+      <p:sp>
+        <p:nvSpPr>
+          <p:cNvPr id="6" name="Rectangle 5">
+            <a:extLst>
+              <a:ext uri="{FF2B5EF4-FFF2-40B4-BE49-F238E27FC236}">
+                <a16:creationId xmlns:a16="http://schemas.microsoft.com/office/drawing/2014/main" id="{0681DD8C-FABC-4494-A64F-C2F1D4CE5A40}"/>
+              </a:ext>
+            </a:extLst>
+          </p:cNvPr>
+          <p:cNvSpPr>
+            <a:spLocks noChangeArrowheads="1"/>
+          </p:cNvSpPr>
+          <p:nvPr/>
+        </p:nvSpPr>
+        <p:spPr bwMode="auto">
+          <a:xfrm>
+            <a:off x="535022" y="1575881"/>
+            <a:ext cx="12192000" cy="457200"/>
+          </a:xfrm>
+          <a:prstGeom prst="rect">
+            <a:avLst/>
+          </a:prstGeom>
+          <a:noFill/>
+          <a:ln>
+            <a:noFill/>
+          </a:ln>
+          <a:effectLst/>
+          <a:extLst>
+            <a:ext uri="{909E8E84-426E-40DD-AFC4-6F175D3DCCD1}">
+              <a14:hiddenFill xmlns:a14="http://schemas.microsoft.com/office/drawing/2010/main">
+                <a:solidFill>
+                  <a:schemeClr val="accent1"/>
+                </a:solidFill>
+              </a14:hiddenFill>
+            </a:ext>
+            <a:ext uri="{91240B29-F687-4F45-9708-019B960494DF}">
+              <a14:hiddenLine xmlns:a14="http://schemas.microsoft.com/office/drawing/2010/main" w="9525">
+                <a:solidFill>
+                  <a:schemeClr val="tx1"/>
+                </a:solidFill>
+                <a:miter lim="800000"/>
+                <a:headEnd/>
+                <a:tailEnd/>
+              </a14:hiddenLine>
+            </a:ext>
+            <a:ext uri="{AF507438-7753-43E0-B8FC-AC1667EBCBE1}">
+              <a14:hiddenEffects xmlns:a14="http://schemas.microsoft.com/office/drawing/2010/main">
+                <a:effectLst>
+                  <a:outerShdw dist="35921" dir="2700000" algn="ctr" rotWithShape="0">
+                    <a:schemeClr val="bg2"/>
+                  </a:outerShdw>
+                </a:effectLst>
+              </a14:hiddenEffects>
+            </a:ext>
+          </a:extLst>
+        </p:spPr>
+        <p:txBody>
+          <a:bodyPr vert="horz" wrap="none" lIns="91440" tIns="45720" rIns="91440" bIns="45720" numCol="1" anchor="ctr" anchorCtr="0" compatLnSpc="1">
+            <a:prstTxWarp prst="textNoShape">
+              <a:avLst/>
+            </a:prstTxWarp>
+            <a:spAutoFit/>
+          </a:bodyPr>
+          <a:lstStyle>
+            <a:lvl1pPr indent="304800" eaLnBrk="0" fontAlgn="base" hangingPunct="0">
+              <a:spcBef>
+                <a:spcPct val="0"/>
+              </a:spcBef>
+              <a:spcAft>
+                <a:spcPct val="0"/>
+              </a:spcAft>
+              <a:defRPr>
+                <a:solidFill>
+                  <a:schemeClr val="tx1"/>
+                </a:solidFill>
+                <a:latin typeface="Arial" panose="020B0604020202020204" pitchFamily="34" charset="0"/>
+              </a:defRPr>
+            </a:lvl1pPr>
+            <a:lvl2pPr eaLnBrk="0" fontAlgn="base" hangingPunct="0">
+              <a:spcBef>
+                <a:spcPct val="0"/>
+              </a:spcBef>
+              <a:spcAft>
+                <a:spcPct val="0"/>
+              </a:spcAft>
+              <a:defRPr>
+                <a:solidFill>
+                  <a:schemeClr val="tx1"/>
+                </a:solidFill>
+                <a:latin typeface="Arial" panose="020B0604020202020204" pitchFamily="34" charset="0"/>
+              </a:defRPr>
+            </a:lvl2pPr>
+            <a:lvl3pPr eaLnBrk="0" fontAlgn="base" hangingPunct="0">
+              <a:spcBef>
+                <a:spcPct val="0"/>
+              </a:spcBef>
+              <a:spcAft>
+                <a:spcPct val="0"/>
+              </a:spcAft>
+              <a:defRPr>
+                <a:solidFill>
+                  <a:schemeClr val="tx1"/>
+                </a:solidFill>
+                <a:latin typeface="Arial" panose="020B0604020202020204" pitchFamily="34" charset="0"/>
+              </a:defRPr>
+            </a:lvl3pPr>
+            <a:lvl4pPr eaLnBrk="0" fontAlgn="base" hangingPunct="0">
+              <a:spcBef>
+                <a:spcPct val="0"/>
+              </a:spcBef>
+              <a:spcAft>
+                <a:spcPct val="0"/>
+              </a:spcAft>
+              <a:defRPr>
+                <a:solidFill>
+                  <a:schemeClr val="tx1"/>
+                </a:solidFill>
+                <a:latin typeface="Arial" panose="020B0604020202020204" pitchFamily="34" charset="0"/>
+              </a:defRPr>
+            </a:lvl4pPr>
+            <a:lvl5pPr eaLnBrk="0" fontAlgn="base" hangingPunct="0">
+              <a:spcBef>
+                <a:spcPct val="0"/>
+              </a:spcBef>
+              <a:spcAft>
+                <a:spcPct val="0"/>
+              </a:spcAft>
+              <a:defRPr>
+                <a:solidFill>
+                  <a:schemeClr val="tx1"/>
+                </a:solidFill>
+                <a:latin typeface="Arial" panose="020B0604020202020204" pitchFamily="34" charset="0"/>
+              </a:defRPr>
+            </a:lvl5pPr>
+            <a:lvl6pPr eaLnBrk="0" fontAlgn="base" hangingPunct="0">
+              <a:spcBef>
+                <a:spcPct val="0"/>
+              </a:spcBef>
+              <a:spcAft>
+                <a:spcPct val="0"/>
+              </a:spcAft>
+              <a:defRPr>
+                <a:solidFill>
+                  <a:schemeClr val="tx1"/>
+                </a:solidFill>
+                <a:latin typeface="Arial" panose="020B0604020202020204" pitchFamily="34" charset="0"/>
+              </a:defRPr>
+            </a:lvl6pPr>
+            <a:lvl7pPr eaLnBrk="0" fontAlgn="base" hangingPunct="0">
+              <a:spcBef>
+                <a:spcPct val="0"/>
+              </a:spcBef>
+              <a:spcAft>
+                <a:spcPct val="0"/>
+              </a:spcAft>
+              <a:defRPr>
+                <a:solidFill>
+                  <a:schemeClr val="tx1"/>
+                </a:solidFill>
+                <a:latin typeface="Arial" panose="020B0604020202020204" pitchFamily="34" charset="0"/>
+              </a:defRPr>
+            </a:lvl7pPr>
+            <a:lvl8pPr eaLnBrk="0" fontAlgn="base" hangingPunct="0">
+              <a:spcBef>
+                <a:spcPct val="0"/>
+              </a:spcBef>
+              <a:spcAft>
+                <a:spcPct val="0"/>
+              </a:spcAft>
+              <a:defRPr>
+                <a:solidFill>
+                  <a:schemeClr val="tx1"/>
+                </a:solidFill>
+                <a:latin typeface="Arial" panose="020B0604020202020204" pitchFamily="34" charset="0"/>
+              </a:defRPr>
+            </a:lvl8pPr>
+            <a:lvl9pPr eaLnBrk="0" fontAlgn="base" hangingPunct="0">
+              <a:spcBef>
+                <a:spcPct val="0"/>
+              </a:spcBef>
+              <a:spcAft>
+                <a:spcPct val="0"/>
+              </a:spcAft>
+              <a:defRPr>
+                <a:solidFill>
+                  <a:schemeClr val="tx1"/>
+                </a:solidFill>
+                <a:latin typeface="Arial" panose="020B0604020202020204" pitchFamily="34" charset="0"/>
+              </a:defRPr>
+            </a:lvl9pPr>
+          </a:lstStyle>
+          <a:p>
+            <a:pPr marL="0" marR="0" lvl="0" indent="304800" algn="l" defTabSz="914400" rtl="0" eaLnBrk="0" fontAlgn="base" latinLnBrk="0" hangingPunct="0">
+              <a:lnSpc>
+                <a:spcPct val="100000"/>
+              </a:lnSpc>
+              <a:spcBef>
+                <a:spcPct val="0"/>
+              </a:spcBef>
+              <a:spcAft>
+                <a:spcPct val="0"/>
+              </a:spcAft>
+              <a:buClrTx/>
+              <a:buSzTx/>
+              <a:buFontTx/>
+              <a:buNone/>
+              <a:tabLst/>
+            </a:pPr>
+            <a:r>
+              <a:rPr kumimoji="0" lang="zh-CN" altLang="zh-CN" sz="1000" b="0" i="0" u="none" strike="noStrike" cap="none" normalizeH="0" baseline="0">
+                <a:ln>
+                  <a:noFill/>
+                </a:ln>
+                <a:solidFill>
+                  <a:srgbClr val="FF0000"/>
+                </a:solidFill>
+                <a:effectLst/>
+                <a:latin typeface="Arial" panose="020B0604020202020204" pitchFamily="34" charset="0"/>
+                <a:ea typeface="宋体" panose="02010600030101010101" pitchFamily="2" charset="-122"/>
+                <a:cs typeface="Arial" panose="020B0604020202020204" pitchFamily="34" charset="0"/>
+              </a:rPr>
+              <a:t>软件几乎都是用事件触发来控制流程的，事件触发的情景</a:t>
+            </a:r>
+            <a:endParaRPr kumimoji="0" lang="zh-CN" altLang="zh-CN" sz="800" b="0" i="0" u="none" strike="noStrike" cap="none" normalizeH="0" baseline="0">
+              <a:ln>
+                <a:noFill/>
+              </a:ln>
+              <a:solidFill>
+                <a:schemeClr val="tx1"/>
+              </a:solidFill>
+              <a:effectLst/>
+            </a:endParaRPr>
+          </a:p>
+          <a:p>
+            <a:pPr marL="0" marR="0" lvl="0" indent="304800" algn="l" defTabSz="914400" rtl="0" eaLnBrk="0" fontAlgn="base" latinLnBrk="0" hangingPunct="0">
+              <a:lnSpc>
+                <a:spcPct val="100000"/>
+              </a:lnSpc>
+              <a:spcBef>
+                <a:spcPct val="0"/>
+              </a:spcBef>
+              <a:spcAft>
+                <a:spcPct val="0"/>
+              </a:spcAft>
+              <a:buClrTx/>
+              <a:buSzTx/>
+              <a:buFontTx/>
+              <a:buNone/>
+              <a:tabLst/>
+            </a:pPr>
+            <a:endParaRPr kumimoji="0" lang="zh-CN" altLang="zh-CN" sz="1800" b="0" i="0" u="none" strike="noStrike" cap="none" normalizeH="0" baseline="0">
+              <a:ln>
+                <a:noFill/>
+              </a:ln>
+              <a:solidFill>
+                <a:schemeClr val="tx1"/>
+              </a:solidFill>
+              <a:effectLst/>
+              <a:latin typeface="Arial" panose="020B0604020202020204" pitchFamily="34" charset="0"/>
+            </a:endParaRPr>
+          </a:p>
+        </p:txBody>
+      </p:sp>
+      <p:pic>
+        <p:nvPicPr>
+          <p:cNvPr id="1028" name="图片 1" descr="基本流和备选流">
+            <a:hlinkClick r:id="rId2" tooltip="&quot;基本流和备选流&quot;"/>
+            <a:extLst>
+              <a:ext uri="{FF2B5EF4-FFF2-40B4-BE49-F238E27FC236}">
+                <a16:creationId xmlns:a16="http://schemas.microsoft.com/office/drawing/2014/main" id="{D2785330-0CC6-4EFB-B569-D3453ABAF40E}"/>
+              </a:ext>
+            </a:extLst>
+          </p:cNvPr>
+          <p:cNvPicPr>
+            <a:picLocks noChangeAspect="1" noChangeArrowheads="1"/>
+          </p:cNvPicPr>
+          <p:nvPr/>
+        </p:nvPicPr>
+        <p:blipFill>
+          <a:blip r:embed="rId3">
+            <a:extLst>
+              <a:ext uri="{28A0092B-C50C-407E-A947-70E740481C1C}">
+                <a14:useLocalDpi xmlns:a14="http://schemas.microsoft.com/office/drawing/2010/main" val="0"/>
+              </a:ext>
+            </a:extLst>
+          </a:blip>
+          <a:srcRect/>
+          <a:stretch>
+            <a:fillRect/>
+          </a:stretch>
+        </p:blipFill>
+        <p:spPr bwMode="auto">
+          <a:xfrm>
+            <a:off x="535022" y="2033081"/>
+            <a:ext cx="1927225" cy="2087563"/>
+          </a:xfrm>
+          <a:prstGeom prst="rect">
+            <a:avLst/>
+          </a:prstGeom>
+          <a:noFill/>
+          <a:extLst>
+            <a:ext uri="{909E8E84-426E-40DD-AFC4-6F175D3DCCD1}">
+              <a14:hiddenFill xmlns:a14="http://schemas.microsoft.com/office/drawing/2010/main">
+                <a:solidFill>
+                  <a:srgbClr val="FFFFFF"/>
+                </a:solidFill>
+              </a14:hiddenFill>
+            </a:ext>
+          </a:extLst>
+        </p:spPr>
+      </p:pic>
+      <p:sp>
+        <p:nvSpPr>
+          <p:cNvPr id="7" name="Rectangle 6">
+            <a:extLst>
+              <a:ext uri="{FF2B5EF4-FFF2-40B4-BE49-F238E27FC236}">
+                <a16:creationId xmlns:a16="http://schemas.microsoft.com/office/drawing/2014/main" id="{E7A31AE5-FFD0-4467-9E8C-9E10594B78B0}"/>
+              </a:ext>
+            </a:extLst>
+          </p:cNvPr>
+          <p:cNvSpPr>
+            <a:spLocks noChangeArrowheads="1"/>
+          </p:cNvSpPr>
+          <p:nvPr/>
+        </p:nvSpPr>
+        <p:spPr bwMode="auto">
+          <a:xfrm>
+            <a:off x="535022" y="4120644"/>
+            <a:ext cx="12192000" cy="0"/>
+          </a:xfrm>
+          <a:prstGeom prst="rect">
+            <a:avLst/>
+          </a:prstGeom>
+          <a:solidFill>
+            <a:srgbClr val="FFFFFF"/>
+          </a:solidFill>
+          <a:ln>
+            <a:noFill/>
+          </a:ln>
+          <a:effectLst/>
+          <a:extLst>
+            <a:ext uri="{91240B29-F687-4F45-9708-019B960494DF}">
+              <a14:hiddenLine xmlns:a14="http://schemas.microsoft.com/office/drawing/2010/main" w="9525">
+                <a:solidFill>
+                  <a:schemeClr val="tx1"/>
+                </a:solidFill>
+                <a:miter lim="800000"/>
+                <a:headEnd/>
+                <a:tailEnd/>
+              </a14:hiddenLine>
+            </a:ext>
+            <a:ext uri="{AF507438-7753-43E0-B8FC-AC1667EBCBE1}">
+              <a14:hiddenEffects xmlns:a14="http://schemas.microsoft.com/office/drawing/2010/main">
+                <a:effectLst>
+                  <a:outerShdw dist="35921" dir="2700000" algn="ctr" rotWithShape="0">
+                    <a:schemeClr val="bg2"/>
+                  </a:outerShdw>
+                </a:effectLst>
+              </a14:hiddenEffects>
+            </a:ext>
+          </a:extLst>
+        </p:spPr>
+        <p:txBody>
+          <a:bodyPr vert="horz" wrap="none" lIns="91440" tIns="45720" rIns="91440" bIns="45720" numCol="1" anchor="ctr" anchorCtr="0" compatLnSpc="1">
+            <a:prstTxWarp prst="textNoShape">
+              <a:avLst/>
+            </a:prstTxWarp>
+            <a:spAutoFit/>
+          </a:bodyPr>
+          <a:lstStyle>
+            <a:lvl1pPr indent="304800" eaLnBrk="0" fontAlgn="base" hangingPunct="0">
+              <a:spcBef>
+                <a:spcPct val="0"/>
+              </a:spcBef>
+              <a:spcAft>
+                <a:spcPct val="0"/>
+              </a:spcAft>
+              <a:defRPr>
+                <a:solidFill>
+                  <a:schemeClr val="tx1"/>
+                </a:solidFill>
+                <a:latin typeface="Arial" panose="020B0604020202020204" pitchFamily="34" charset="0"/>
+              </a:defRPr>
+            </a:lvl1pPr>
+            <a:lvl2pPr eaLnBrk="0" fontAlgn="base" hangingPunct="0">
+              <a:spcBef>
+                <a:spcPct val="0"/>
+              </a:spcBef>
+              <a:spcAft>
+                <a:spcPct val="0"/>
+              </a:spcAft>
+              <a:defRPr>
+                <a:solidFill>
+                  <a:schemeClr val="tx1"/>
+                </a:solidFill>
+                <a:latin typeface="Arial" panose="020B0604020202020204" pitchFamily="34" charset="0"/>
+              </a:defRPr>
+            </a:lvl2pPr>
+            <a:lvl3pPr eaLnBrk="0" fontAlgn="base" hangingPunct="0">
+              <a:spcBef>
+                <a:spcPct val="0"/>
+              </a:spcBef>
+              <a:spcAft>
+                <a:spcPct val="0"/>
+              </a:spcAft>
+              <a:defRPr>
+                <a:solidFill>
+                  <a:schemeClr val="tx1"/>
+                </a:solidFill>
+                <a:latin typeface="Arial" panose="020B0604020202020204" pitchFamily="34" charset="0"/>
+              </a:defRPr>
+            </a:lvl3pPr>
+            <a:lvl4pPr eaLnBrk="0" fontAlgn="base" hangingPunct="0">
+              <a:spcBef>
+                <a:spcPct val="0"/>
+              </a:spcBef>
+              <a:spcAft>
+                <a:spcPct val="0"/>
+              </a:spcAft>
+              <a:defRPr>
+                <a:solidFill>
+                  <a:schemeClr val="tx1"/>
+                </a:solidFill>
+                <a:latin typeface="Arial" panose="020B0604020202020204" pitchFamily="34" charset="0"/>
+              </a:defRPr>
+            </a:lvl4pPr>
+            <a:lvl5pPr eaLnBrk="0" fontAlgn="base" hangingPunct="0">
+              <a:spcBef>
+                <a:spcPct val="0"/>
+              </a:spcBef>
+              <a:spcAft>
+                <a:spcPct val="0"/>
+              </a:spcAft>
+              <a:defRPr>
+                <a:solidFill>
+                  <a:schemeClr val="tx1"/>
+                </a:solidFill>
+                <a:latin typeface="Arial" panose="020B0604020202020204" pitchFamily="34" charset="0"/>
+              </a:defRPr>
+            </a:lvl5pPr>
+            <a:lvl6pPr eaLnBrk="0" fontAlgn="base" hangingPunct="0">
+              <a:spcBef>
+                <a:spcPct val="0"/>
+              </a:spcBef>
+              <a:spcAft>
+                <a:spcPct val="0"/>
+              </a:spcAft>
+              <a:defRPr>
+                <a:solidFill>
+                  <a:schemeClr val="tx1"/>
+                </a:solidFill>
+                <a:latin typeface="Arial" panose="020B0604020202020204" pitchFamily="34" charset="0"/>
+              </a:defRPr>
+            </a:lvl6pPr>
+            <a:lvl7pPr eaLnBrk="0" fontAlgn="base" hangingPunct="0">
+              <a:spcBef>
+                <a:spcPct val="0"/>
+              </a:spcBef>
+              <a:spcAft>
+                <a:spcPct val="0"/>
+              </a:spcAft>
+              <a:defRPr>
+                <a:solidFill>
+                  <a:schemeClr val="tx1"/>
+                </a:solidFill>
+                <a:latin typeface="Arial" panose="020B0604020202020204" pitchFamily="34" charset="0"/>
+              </a:defRPr>
+            </a:lvl7pPr>
+            <a:lvl8pPr eaLnBrk="0" fontAlgn="base" hangingPunct="0">
+              <a:spcBef>
+                <a:spcPct val="0"/>
+              </a:spcBef>
+              <a:spcAft>
+                <a:spcPct val="0"/>
+              </a:spcAft>
+              <a:defRPr>
+                <a:solidFill>
+                  <a:schemeClr val="tx1"/>
+                </a:solidFill>
+                <a:latin typeface="Arial" panose="020B0604020202020204" pitchFamily="34" charset="0"/>
+              </a:defRPr>
+            </a:lvl8pPr>
+            <a:lvl9pPr eaLnBrk="0" fontAlgn="base" hangingPunct="0">
+              <a:spcBef>
+                <a:spcPct val="0"/>
+              </a:spcBef>
+              <a:spcAft>
+                <a:spcPct val="0"/>
+              </a:spcAft>
+              <a:defRPr>
+                <a:solidFill>
+                  <a:schemeClr val="tx1"/>
+                </a:solidFill>
+                <a:latin typeface="Arial" panose="020B0604020202020204" pitchFamily="34" charset="0"/>
+              </a:defRPr>
+            </a:lvl9pPr>
+          </a:lstStyle>
+          <a:p>
+            <a:pPr marL="0" marR="0" lvl="0" indent="304800" algn="l" defTabSz="914400" rtl="0" eaLnBrk="0" fontAlgn="base" latinLnBrk="0" hangingPunct="0">
+              <a:lnSpc>
+                <a:spcPct val="100000"/>
+              </a:lnSpc>
+              <a:spcBef>
+                <a:spcPct val="0"/>
+              </a:spcBef>
+              <a:spcAft>
+                <a:spcPct val="0"/>
+              </a:spcAft>
+              <a:buClrTx/>
+              <a:buSzTx/>
+              <a:buFontTx/>
+              <a:buNone/>
+              <a:tabLst/>
+            </a:pPr>
+            <a:r>
+              <a:rPr kumimoji="0" lang="zh-CN" altLang="zh-CN" sz="900" b="0" i="0" u="none" strike="noStrike" cap="none" normalizeH="0" baseline="0">
+                <a:ln>
+                  <a:noFill/>
+                </a:ln>
+                <a:solidFill>
+                  <a:srgbClr val="FF0000"/>
+                </a:solidFill>
+                <a:effectLst/>
+                <a:latin typeface="Calibri" panose="020F0502020204030204" pitchFamily="34" charset="0"/>
+                <a:ea typeface="宋体" panose="02010600030101010101" pitchFamily="2" charset="-122"/>
+                <a:cs typeface="Arial" panose="020B0604020202020204" pitchFamily="34" charset="0"/>
+              </a:rPr>
+              <a:t>基本流和备选流</a:t>
+            </a:r>
+            <a:endParaRPr kumimoji="0" lang="zh-CN" altLang="zh-CN" sz="800" b="0" i="0" u="none" strike="noStrike" cap="none" normalizeH="0" baseline="0">
+              <a:ln>
+                <a:noFill/>
+              </a:ln>
+              <a:solidFill>
+                <a:schemeClr val="tx1"/>
+              </a:solidFill>
+              <a:effectLst/>
+            </a:endParaRPr>
+          </a:p>
+          <a:p>
+            <a:pPr marL="0" marR="0" lvl="0" indent="304800" algn="l" defTabSz="914400" rtl="0" eaLnBrk="0" fontAlgn="base" latinLnBrk="0" hangingPunct="0">
+              <a:lnSpc>
+                <a:spcPct val="100000"/>
+              </a:lnSpc>
+              <a:spcBef>
+                <a:spcPct val="0"/>
+              </a:spcBef>
+              <a:spcAft>
+                <a:spcPct val="0"/>
+              </a:spcAft>
+              <a:buClrTx/>
+              <a:buSzTx/>
+              <a:buFontTx/>
+              <a:buNone/>
+              <a:tabLst/>
+            </a:pPr>
+            <a:r>
+              <a:rPr kumimoji="0" lang="zh-CN" altLang="zh-CN" sz="1000" b="0" i="0" u="none" strike="noStrike" cap="none" normalizeH="0" baseline="0">
+                <a:ln>
+                  <a:noFill/>
+                </a:ln>
+                <a:solidFill>
+                  <a:srgbClr val="FF0000"/>
+                </a:solidFill>
+                <a:effectLst/>
+                <a:latin typeface="Arial" panose="020B0604020202020204" pitchFamily="34" charset="0"/>
+                <a:ea typeface="宋体" panose="02010600030101010101" pitchFamily="2" charset="-122"/>
+                <a:cs typeface="Arial" panose="020B0604020202020204" pitchFamily="34" charset="0"/>
+              </a:rPr>
+              <a:t>便形成了场景，而同一事件不同的触发顺序和处理结果就形成事件流。这种在软件设计方面的思想也可以引入到软件测试中，可以比较生动地描绘出事件触发时的情景，有利于测试设计者设计测试用例，同时使测试用例更容易理解和执行。</a:t>
+            </a:r>
+            <a:endParaRPr kumimoji="0" lang="zh-CN" altLang="zh-CN" sz="800" b="0" i="0" u="none" strike="noStrike" cap="none" normalizeH="0" baseline="0">
+              <a:ln>
+                <a:noFill/>
+              </a:ln>
+              <a:solidFill>
+                <a:schemeClr val="tx1"/>
+              </a:solidFill>
+              <a:effectLst/>
+            </a:endParaRPr>
+          </a:p>
+          <a:p>
+            <a:pPr marL="0" marR="0" lvl="0" indent="304800" algn="l" defTabSz="914400" rtl="0" eaLnBrk="0" fontAlgn="base" latinLnBrk="0" hangingPunct="0">
+              <a:lnSpc>
+                <a:spcPct val="100000"/>
+              </a:lnSpc>
+              <a:spcBef>
+                <a:spcPct val="0"/>
+              </a:spcBef>
+              <a:spcAft>
+                <a:spcPct val="0"/>
+              </a:spcAft>
+              <a:buClrTx/>
+              <a:buSzTx/>
+              <a:buFontTx/>
+              <a:buNone/>
+              <a:tabLst/>
+            </a:pPr>
+            <a:r>
+              <a:rPr kumimoji="0" lang="zh-CN" altLang="zh-CN" sz="1000" b="0" i="0" u="none" strike="noStrike" cap="none" normalizeH="0" baseline="0">
+                <a:ln>
+                  <a:noFill/>
+                </a:ln>
+                <a:solidFill>
+                  <a:srgbClr val="FF0000"/>
+                </a:solidFill>
+                <a:effectLst/>
+                <a:latin typeface="Arial" panose="020B0604020202020204" pitchFamily="34" charset="0"/>
+                <a:ea typeface="宋体" panose="02010600030101010101" pitchFamily="2" charset="-122"/>
+                <a:cs typeface="Arial" panose="020B0604020202020204" pitchFamily="34" charset="0"/>
+              </a:rPr>
+              <a:t>基本流和备选流：如下图所示，图中经过用例的每条路径都用基本流和备选流来表示，直黑线表示基本流，是经过用例的最简单的路径。备选流用不同的色彩表示，一个备选流可能从基本流开始，在某个特定条件下执行，然后重新加入基本流中（如备选流</a:t>
+            </a:r>
+            <a:r>
+              <a:rPr kumimoji="0" lang="en-US" altLang="zh-CN" sz="1000" b="0" i="0" u="none" strike="noStrike" cap="none" normalizeH="0" baseline="0">
+                <a:ln>
+                  <a:noFill/>
+                </a:ln>
+                <a:solidFill>
+                  <a:srgbClr val="FF0000"/>
+                </a:solidFill>
+                <a:effectLst/>
+                <a:latin typeface="Arial" panose="020B0604020202020204" pitchFamily="34" charset="0"/>
+                <a:ea typeface="宋体" panose="02010600030101010101" pitchFamily="2" charset="-122"/>
+                <a:cs typeface="Arial" panose="020B0604020202020204" pitchFamily="34" charset="0"/>
+              </a:rPr>
+              <a:t>1</a:t>
+            </a:r>
+            <a:r>
+              <a:rPr kumimoji="0" lang="zh-CN" altLang="en-US" sz="1000" b="0" i="0" u="none" strike="noStrike" cap="none" normalizeH="0" baseline="0">
+                <a:ln>
+                  <a:noFill/>
+                </a:ln>
+                <a:solidFill>
+                  <a:srgbClr val="FF0000"/>
+                </a:solidFill>
+                <a:effectLst/>
+                <a:latin typeface="Arial" panose="020B0604020202020204" pitchFamily="34" charset="0"/>
+                <a:ea typeface="宋体" panose="02010600030101010101" pitchFamily="2" charset="-122"/>
+                <a:cs typeface="Arial" panose="020B0604020202020204" pitchFamily="34" charset="0"/>
+              </a:rPr>
+              <a:t>和</a:t>
+            </a:r>
+            <a:r>
+              <a:rPr kumimoji="0" lang="en-US" altLang="zh-CN" sz="1000" b="0" i="0" u="none" strike="noStrike" cap="none" normalizeH="0" baseline="0">
+                <a:ln>
+                  <a:noFill/>
+                </a:ln>
+                <a:solidFill>
+                  <a:srgbClr val="FF0000"/>
+                </a:solidFill>
+                <a:effectLst/>
+                <a:latin typeface="Arial" panose="020B0604020202020204" pitchFamily="34" charset="0"/>
+                <a:ea typeface="宋体" panose="02010600030101010101" pitchFamily="2" charset="-122"/>
+                <a:cs typeface="Arial" panose="020B0604020202020204" pitchFamily="34" charset="0"/>
+              </a:rPr>
+              <a:t>3</a:t>
+            </a:r>
+            <a:r>
+              <a:rPr kumimoji="0" lang="zh-CN" altLang="en-US" sz="1000" b="0" i="0" u="none" strike="noStrike" cap="none" normalizeH="0" baseline="0">
+                <a:ln>
+                  <a:noFill/>
+                </a:ln>
+                <a:solidFill>
+                  <a:srgbClr val="FF0000"/>
+                </a:solidFill>
+                <a:effectLst/>
+                <a:latin typeface="Arial" panose="020B0604020202020204" pitchFamily="34" charset="0"/>
+                <a:ea typeface="宋体" panose="02010600030101010101" pitchFamily="2" charset="-122"/>
+                <a:cs typeface="Arial" panose="020B0604020202020204" pitchFamily="34" charset="0"/>
+              </a:rPr>
+              <a:t>）；也可能起源于另一个备选流（如备选流</a:t>
+            </a:r>
+            <a:r>
+              <a:rPr kumimoji="0" lang="en-US" altLang="zh-CN" sz="1000" b="0" i="0" u="none" strike="noStrike" cap="none" normalizeH="0" baseline="0">
+                <a:ln>
+                  <a:noFill/>
+                </a:ln>
+                <a:solidFill>
+                  <a:srgbClr val="FF0000"/>
+                </a:solidFill>
+                <a:effectLst/>
+                <a:latin typeface="Arial" panose="020B0604020202020204" pitchFamily="34" charset="0"/>
+                <a:ea typeface="宋体" panose="02010600030101010101" pitchFamily="2" charset="-122"/>
+                <a:cs typeface="Arial" panose="020B0604020202020204" pitchFamily="34" charset="0"/>
+              </a:rPr>
+              <a:t>2</a:t>
+            </a:r>
+            <a:r>
+              <a:rPr kumimoji="0" lang="zh-CN" altLang="en-US" sz="1000" b="0" i="0" u="none" strike="noStrike" cap="none" normalizeH="0" baseline="0">
+                <a:ln>
+                  <a:noFill/>
+                </a:ln>
+                <a:solidFill>
+                  <a:srgbClr val="FF0000"/>
+                </a:solidFill>
+                <a:effectLst/>
+                <a:latin typeface="Arial" panose="020B0604020202020204" pitchFamily="34" charset="0"/>
+                <a:ea typeface="宋体" panose="02010600030101010101" pitchFamily="2" charset="-122"/>
+                <a:cs typeface="Arial" panose="020B0604020202020204" pitchFamily="34" charset="0"/>
+              </a:rPr>
+              <a:t>），或者终止用例而不再重新加入到某个流（如备选流</a:t>
+            </a:r>
+            <a:r>
+              <a:rPr kumimoji="0" lang="en-US" altLang="zh-CN" sz="1000" b="0" i="0" u="none" strike="noStrike" cap="none" normalizeH="0" baseline="0">
+                <a:ln>
+                  <a:noFill/>
+                </a:ln>
+                <a:solidFill>
+                  <a:srgbClr val="FF0000"/>
+                </a:solidFill>
+                <a:effectLst/>
+                <a:latin typeface="Arial" panose="020B0604020202020204" pitchFamily="34" charset="0"/>
+                <a:ea typeface="宋体" panose="02010600030101010101" pitchFamily="2" charset="-122"/>
+                <a:cs typeface="Arial" panose="020B0604020202020204" pitchFamily="34" charset="0"/>
+              </a:rPr>
+              <a:t>2</a:t>
+            </a:r>
+            <a:r>
+              <a:rPr kumimoji="0" lang="zh-CN" altLang="en-US" sz="1000" b="0" i="0" u="none" strike="noStrike" cap="none" normalizeH="0" baseline="0">
+                <a:ln>
+                  <a:noFill/>
+                </a:ln>
+                <a:solidFill>
+                  <a:srgbClr val="FF0000"/>
+                </a:solidFill>
+                <a:effectLst/>
+                <a:latin typeface="Arial" panose="020B0604020202020204" pitchFamily="34" charset="0"/>
+                <a:ea typeface="宋体" panose="02010600030101010101" pitchFamily="2" charset="-122"/>
+                <a:cs typeface="Arial" panose="020B0604020202020204" pitchFamily="34" charset="0"/>
+              </a:rPr>
+              <a:t>和</a:t>
+            </a:r>
+            <a:r>
+              <a:rPr kumimoji="0" lang="en-US" altLang="zh-CN" sz="1000" b="0" i="0" u="none" strike="noStrike" cap="none" normalizeH="0" baseline="0">
+                <a:ln>
+                  <a:noFill/>
+                </a:ln>
+                <a:solidFill>
+                  <a:srgbClr val="FF0000"/>
+                </a:solidFill>
+                <a:effectLst/>
+                <a:latin typeface="Arial" panose="020B0604020202020204" pitchFamily="34" charset="0"/>
+                <a:ea typeface="宋体" panose="02010600030101010101" pitchFamily="2" charset="-122"/>
+                <a:cs typeface="Arial" panose="020B0604020202020204" pitchFamily="34" charset="0"/>
+              </a:rPr>
+              <a:t>4</a:t>
+            </a:r>
+            <a:r>
+              <a:rPr kumimoji="0" lang="zh-CN" altLang="en-US" sz="1000" b="0" i="0" u="none" strike="noStrike" cap="none" normalizeH="0" baseline="0">
+                <a:ln>
+                  <a:noFill/>
+                </a:ln>
+                <a:solidFill>
+                  <a:srgbClr val="FF0000"/>
+                </a:solidFill>
+                <a:effectLst/>
+                <a:latin typeface="Arial" panose="020B0604020202020204" pitchFamily="34" charset="0"/>
+                <a:ea typeface="宋体" panose="02010600030101010101" pitchFamily="2" charset="-122"/>
+                <a:cs typeface="Arial" panose="020B0604020202020204" pitchFamily="34" charset="0"/>
+              </a:rPr>
+              <a:t>）。</a:t>
+            </a:r>
+            <a:r>
+              <a:rPr kumimoji="0" lang="en-US" altLang="zh-CN" sz="900" b="0" i="0" u="none" strike="noStrike" cap="none" normalizeH="0" baseline="30000">
+                <a:ln>
+                  <a:noFill/>
+                </a:ln>
+                <a:solidFill>
+                  <a:srgbClr val="FF0000"/>
+                </a:solidFill>
+                <a:effectLst/>
+                <a:latin typeface="Arial" panose="020B0604020202020204" pitchFamily="34" charset="0"/>
+                <a:ea typeface="宋体" panose="02010600030101010101" pitchFamily="2" charset="-122"/>
+                <a:cs typeface="Arial" panose="020B0604020202020204" pitchFamily="34" charset="0"/>
+              </a:rPr>
+              <a:t>[2]</a:t>
+            </a:r>
+            <a:r>
+              <a:rPr kumimoji="0" lang="en-US" altLang="zh-CN" sz="100" b="0" i="0" u="none" strike="noStrike" cap="none" normalizeH="0" baseline="0">
+                <a:ln>
+                  <a:noFill/>
+                </a:ln>
+                <a:solidFill>
+                  <a:srgbClr val="FF0000"/>
+                </a:solidFill>
+                <a:effectLst/>
+                <a:latin typeface="Calibri" panose="020F0502020204030204" pitchFamily="34" charset="0"/>
+                <a:ea typeface="宋体" panose="02010600030101010101" pitchFamily="2" charset="-122"/>
+                <a:cs typeface="Arial" panose="020B0604020202020204" pitchFamily="34" charset="0"/>
+              </a:rPr>
+              <a:t> </a:t>
+            </a:r>
+            <a:endParaRPr kumimoji="0" lang="en-US" altLang="zh-CN" sz="1800" b="0" i="0" u="none" strike="noStrike" cap="none" normalizeH="0" baseline="0">
+              <a:ln>
+                <a:noFill/>
+              </a:ln>
+              <a:solidFill>
+                <a:schemeClr val="tx1"/>
+              </a:solidFill>
+              <a:effectLst/>
+              <a:latin typeface="Arial" panose="020B0604020202020204" pitchFamily="34" charset="0"/>
+            </a:endParaRPr>
+          </a:p>
+        </p:txBody>
+      </p:sp>
+    </p:spTree>
+    <p:extLst>
+      <p:ext uri="{BB962C8B-B14F-4D97-AF65-F5344CB8AC3E}">
+        <p14:creationId xmlns:p14="http://schemas.microsoft.com/office/powerpoint/2010/main" val="334619471"/>
+      </p:ext>
+    </p:extLst>
+  </p:cSld>
+  <p:clrMapOvr>
+    <a:masterClrMapping/>
+  </p:clrMapOvr>
+</p:sld>
+</file>
+
+<file path=ppt/slides/slide25.xml><?xml version="1.0" encoding="utf-8"?>
+<p:sld xmlns:a="http://schemas.openxmlformats.org/drawingml/2006/main" xmlns:r="http://schemas.openxmlformats.org/officeDocument/2006/relationships" xmlns:p="http://schemas.openxmlformats.org/presentationml/2006/main">
+  <p:cSld>
+    <p:spTree>
+      <p:nvGrpSpPr>
+        <p:cNvPr id="1" name=""/>
+        <p:cNvGrpSpPr/>
+        <p:nvPr/>
+      </p:nvGrpSpPr>
+      <p:grpSpPr>
+        <a:xfrm>
+          <a:off x="0" y="0"/>
+          <a:ext cx="0" cy="0"/>
+          <a:chOff x="0" y="0"/>
+          <a:chExt cx="0" cy="0"/>
+        </a:xfrm>
+      </p:grpSpPr>
+      <p:sp>
+        <p:nvSpPr>
+          <p:cNvPr id="2" name="标题 1">
+            <a:extLst>
+              <a:ext uri="{FF2B5EF4-FFF2-40B4-BE49-F238E27FC236}">
+                <a16:creationId xmlns:a16="http://schemas.microsoft.com/office/drawing/2014/main" id="{F9016DFE-F09C-408C-8235-1C3BD2850514}"/>
+              </a:ext>
+            </a:extLst>
+          </p:cNvPr>
+          <p:cNvSpPr>
+            <a:spLocks noGrp="1"/>
+          </p:cNvSpPr>
+          <p:nvPr>
+            <p:ph type="title"/>
+          </p:nvPr>
+        </p:nvSpPr>
+        <p:spPr/>
+        <p:txBody>
+          <a:bodyPr/>
+          <a:lstStyle/>
+          <a:p>
+            <a:endParaRPr lang="zh-CN" altLang="en-US" dirty="0"/>
+          </a:p>
+        </p:txBody>
+      </p:sp>
+      <p:sp>
+        <p:nvSpPr>
+          <p:cNvPr id="3" name="内容占位符 2">
+            <a:extLst>
+              <a:ext uri="{FF2B5EF4-FFF2-40B4-BE49-F238E27FC236}">
+                <a16:creationId xmlns:a16="http://schemas.microsoft.com/office/drawing/2014/main" id="{9A9C1D17-E85A-44AD-9000-09F016D182E4}"/>
+              </a:ext>
+            </a:extLst>
+          </p:cNvPr>
+          <p:cNvSpPr>
+            <a:spLocks noGrp="1"/>
+          </p:cNvSpPr>
+          <p:nvPr>
+            <p:ph idx="1"/>
+          </p:nvPr>
+        </p:nvSpPr>
+        <p:spPr/>
+        <p:txBody>
+          <a:bodyPr/>
+          <a:lstStyle/>
+          <a:p>
+            <a:r>
+              <a:rPr lang="zh-CN" altLang="zh-CN" dirty="0"/>
+              <a:t>参考资料</a:t>
+            </a:r>
+          </a:p>
+          <a:p>
+            <a:pPr lvl="0" latinLnBrk="1"/>
+            <a:r>
+              <a:rPr lang="en-US" altLang="zh-CN" b="1" dirty="0"/>
+              <a:t>1.</a:t>
+            </a:r>
+            <a:r>
+              <a:rPr lang="en-US" altLang="zh-CN" b="1" dirty="0">
+                <a:hlinkClick r:id="rId2" tooltip="向上跳转"/>
+              </a:rPr>
+              <a:t>  </a:t>
+            </a:r>
+            <a:r>
+              <a:rPr lang="zh-CN" altLang="zh-CN" b="1" dirty="0"/>
+              <a:t>万年红 李翔</a:t>
+            </a:r>
+            <a:r>
+              <a:rPr lang="en-US" altLang="zh-CN" b="1" dirty="0"/>
+              <a:t> </a:t>
+            </a:r>
+            <a:r>
+              <a:rPr lang="zh-CN" altLang="zh-CN" b="1" dirty="0"/>
+              <a:t>．软件黑盒测试的方法与实践： 《计算机工程》，</a:t>
+            </a:r>
+            <a:r>
+              <a:rPr lang="en-US" altLang="zh-CN" b="1" dirty="0"/>
+              <a:t>2000</a:t>
+            </a:r>
+            <a:r>
+              <a:rPr lang="zh-CN" altLang="zh-CN" b="1" dirty="0"/>
+              <a:t>年</a:t>
+            </a:r>
+            <a:r>
+              <a:rPr lang="en-US" altLang="zh-CN" b="1" dirty="0"/>
+              <a:t>12</a:t>
+            </a:r>
+            <a:r>
+              <a:rPr lang="zh-CN" altLang="zh-CN" b="1" dirty="0"/>
+              <a:t>期</a:t>
+            </a:r>
+            <a:endParaRPr lang="zh-CN" altLang="zh-CN" dirty="0"/>
+          </a:p>
+          <a:p>
+            <a:endParaRPr lang="zh-CN" altLang="en-US" dirty="0"/>
+          </a:p>
+        </p:txBody>
+      </p:sp>
+    </p:spTree>
+    <p:extLst>
+      <p:ext uri="{BB962C8B-B14F-4D97-AF65-F5344CB8AC3E}">
+        <p14:creationId xmlns:p14="http://schemas.microsoft.com/office/powerpoint/2010/main" val="3745217998"/>
       </p:ext>
     </p:extLst>
   </p:cSld>
